--- a/BaoCaoCacTuan/BaoCaoCuoiKi.pptx
+++ b/BaoCaoCacTuan/BaoCaoCuoiKi.pptx
@@ -5,17 +5,19 @@
     <p:sldMasterId id="2147483648" r:id="rId4"/>
   </p:sldMasterIdLst>
   <p:notesMasterIdLst>
-    <p:notesMasterId r:id="rId10"/>
+    <p:notesMasterId r:id="rId12"/>
   </p:notesMasterIdLst>
   <p:handoutMasterIdLst>
-    <p:handoutMasterId r:id="rId11"/>
+    <p:handoutMasterId r:id="rId13"/>
   </p:handoutMasterIdLst>
   <p:sldIdLst>
     <p:sldId id="256" r:id="rId5"/>
     <p:sldId id="271" r:id="rId6"/>
-    <p:sldId id="272" r:id="rId7"/>
-    <p:sldId id="273" r:id="rId8"/>
-    <p:sldId id="260" r:id="rId9"/>
+    <p:sldId id="274" r:id="rId7"/>
+    <p:sldId id="275" r:id="rId8"/>
+    <p:sldId id="276" r:id="rId9"/>
+    <p:sldId id="272" r:id="rId10"/>
+    <p:sldId id="260" r:id="rId11"/>
   </p:sldIdLst>
   <p:sldSz cx="9144000" cy="6858000" type="screen4x3"/>
   <p:notesSz cx="6858000" cy="9144000"/>
@@ -230,7 +232,7 @@
           <a:p>
             <a:fld id="{0BAB0719-0C0B-4FCD-8C42-A758D216E1BD}" type="datetimeFigureOut">
               <a:rPr lang="en-US" smtClean="0"/>
-              <a:t>12/10/2021</a:t>
+              <a:t>12/17/2021</a:t>
             </a:fld>
             <a:endParaRPr lang="en-US" dirty="0"/>
           </a:p>
@@ -408,7 +410,7 @@
             <a:fld id="{925A17EF-115B-4BB9-BF42-426DFD9E898A}" type="datetimeFigureOut">
               <a:rPr lang="en-US" smtClean="0"/>
               <a:pPr/>
-              <a:t>12/10/2021</a:t>
+              <a:t>12/17/2021</a:t>
             </a:fld>
             <a:endParaRPr lang="en-US" dirty="0"/>
           </a:p>
@@ -910,7 +912,7 @@
             <a:fld id="{7C4E7652-46AF-4259-BAE2-54978EA077CD}" type="slidenum">
               <a:rPr lang="en-US" smtClean="0"/>
               <a:pPr/>
-              <a:t>3</a:t>
+              <a:t>6</a:t>
             </a:fld>
             <a:endParaRPr lang="en-US" dirty="0"/>
           </a:p>
@@ -997,94 +999,7 @@
             <a:fld id="{7C4E7652-46AF-4259-BAE2-54978EA077CD}" type="slidenum">
               <a:rPr lang="en-US" smtClean="0"/>
               <a:pPr/>
-              <a:t>4</a:t>
-            </a:fld>
-            <a:endParaRPr lang="en-US" dirty="0"/>
-          </a:p>
-        </p:txBody>
-      </p:sp>
-    </p:spTree>
-    <p:extLst>
-      <p:ext uri="{BB962C8B-B14F-4D97-AF65-F5344CB8AC3E}">
-        <p14:creationId xmlns:p14="http://schemas.microsoft.com/office/powerpoint/2010/main" val="2064370203"/>
-      </p:ext>
-    </p:extLst>
-  </p:cSld>
-  <p:clrMapOvr>
-    <a:masterClrMapping/>
-  </p:clrMapOvr>
-</p:notes>
-</file>
-
-<file path=ppt/notesSlides/notesSlide5.xml><?xml version="1.0" encoding="utf-8"?>
-<p:notes xmlns:a="http://schemas.openxmlformats.org/drawingml/2006/main" xmlns:r="http://schemas.openxmlformats.org/officeDocument/2006/relationships" xmlns:p="http://schemas.openxmlformats.org/presentationml/2006/main">
-  <p:cSld>
-    <p:spTree>
-      <p:nvGrpSpPr>
-        <p:cNvPr id="1" name=""/>
-        <p:cNvGrpSpPr/>
-        <p:nvPr/>
-      </p:nvGrpSpPr>
-      <p:grpSpPr>
-        <a:xfrm>
-          <a:off x="0" y="0"/>
-          <a:ext cx="0" cy="0"/>
-          <a:chOff x="0" y="0"/>
-          <a:chExt cx="0" cy="0"/>
-        </a:xfrm>
-      </p:grpSpPr>
-      <p:sp>
-        <p:nvSpPr>
-          <p:cNvPr id="2" name="Slide Image Placeholder 1"/>
-          <p:cNvSpPr>
-            <a:spLocks noGrp="1" noRot="1" noChangeAspect="1"/>
-          </p:cNvSpPr>
-          <p:nvPr>
-            <p:ph type="sldImg"/>
-          </p:nvPr>
-        </p:nvSpPr>
-        <p:spPr/>
-      </p:sp>
-      <p:sp>
-        <p:nvSpPr>
-          <p:cNvPr id="3" name="Notes Placeholder 2"/>
-          <p:cNvSpPr>
-            <a:spLocks noGrp="1"/>
-          </p:cNvSpPr>
-          <p:nvPr>
-            <p:ph type="body" idx="1"/>
-          </p:nvPr>
-        </p:nvSpPr>
-        <p:spPr/>
-        <p:txBody>
-          <a:bodyPr>
-            <a:normAutofit/>
-          </a:bodyPr>
-          <a:lstStyle/>
-          <a:p>
-            <a:endParaRPr lang="en-US" dirty="0"/>
-          </a:p>
-        </p:txBody>
-      </p:sp>
-      <p:sp>
-        <p:nvSpPr>
-          <p:cNvPr id="4" name="Slide Number Placeholder 3"/>
-          <p:cNvSpPr>
-            <a:spLocks noGrp="1"/>
-          </p:cNvSpPr>
-          <p:nvPr>
-            <p:ph type="sldNum" sz="quarter" idx="10"/>
-          </p:nvPr>
-        </p:nvSpPr>
-        <p:spPr/>
-        <p:txBody>
-          <a:bodyPr/>
-          <a:lstStyle/>
-          <a:p>
-            <a:fld id="{7C4E7652-46AF-4259-BAE2-54978EA077CD}" type="slidenum">
-              <a:rPr lang="en-US" smtClean="0"/>
-              <a:pPr/>
-              <a:t>5</a:t>
+              <a:t>7</a:t>
             </a:fld>
             <a:endParaRPr lang="en-US" dirty="0"/>
           </a:p>
@@ -1459,7 +1374,7 @@
             <a:fld id="{A2E209FB-7A34-414B-812A-BCC5C4256F49}" type="datetime1">
               <a:rPr lang="en-US" smtClean="0"/>
               <a:pPr algn="r"/>
-              <a:t>12/10/2021</a:t>
+              <a:t>12/17/2021</a:t>
             </a:fld>
             <a:endParaRPr lang="en-US" sz="1000" dirty="0"/>
           </a:p>
@@ -3197,8 +3112,8 @@
         </p:nvSpPr>
         <p:spPr>
           <a:xfrm>
-            <a:off x="2514600" y="152401"/>
-            <a:ext cx="6248400" cy="3276600"/>
+            <a:off x="2514600" y="304800"/>
+            <a:ext cx="6248400" cy="1447801"/>
           </a:xfrm>
         </p:spPr>
         <p:txBody>
@@ -3209,8 +3124,8 @@
             <a:r>
               <a:rPr lang="en-US" sz="3000" b="1" dirty="0" err="1">
                 <a:effectLst/>
-                <a:latin typeface="Times New Roman" panose="02020603050405020304" pitchFamily="18" charset="0"/>
-                <a:ea typeface="Calibri" panose="020F0502020204030204" pitchFamily="34" charset="0"/>
+                <a:latin typeface="Roboto" panose="02000000000000000000" pitchFamily="2" charset="0"/>
+                <a:ea typeface="Roboto" panose="02000000000000000000" pitchFamily="2" charset="0"/>
                 <a:cs typeface="Times New Roman" panose="02020603050405020304" pitchFamily="18" charset="0"/>
               </a:rPr>
               <a:t>Xây</a:t>
@@ -3218,8 +3133,8 @@
             <a:r>
               <a:rPr lang="en-US" sz="3000" b="1" dirty="0">
                 <a:effectLst/>
-                <a:latin typeface="Times New Roman" panose="02020603050405020304" pitchFamily="18" charset="0"/>
-                <a:ea typeface="Calibri" panose="020F0502020204030204" pitchFamily="34" charset="0"/>
+                <a:latin typeface="Roboto" panose="02000000000000000000" pitchFamily="2" charset="0"/>
+                <a:ea typeface="Roboto" panose="02000000000000000000" pitchFamily="2" charset="0"/>
                 <a:cs typeface="Times New Roman" panose="02020603050405020304" pitchFamily="18" charset="0"/>
               </a:rPr>
               <a:t> </a:t>
@@ -3227,8 +3142,8 @@
             <a:r>
               <a:rPr lang="en-US" sz="3000" b="1" dirty="0" err="1">
                 <a:effectLst/>
-                <a:latin typeface="Times New Roman" panose="02020603050405020304" pitchFamily="18" charset="0"/>
-                <a:ea typeface="Calibri" panose="020F0502020204030204" pitchFamily="34" charset="0"/>
+                <a:latin typeface="Roboto" panose="02000000000000000000" pitchFamily="2" charset="0"/>
+                <a:ea typeface="Roboto" panose="02000000000000000000" pitchFamily="2" charset="0"/>
                 <a:cs typeface="Times New Roman" panose="02020603050405020304" pitchFamily="18" charset="0"/>
               </a:rPr>
               <a:t>dụng</a:t>
@@ -3236,8 +3151,8 @@
             <a:r>
               <a:rPr lang="en-US" sz="3000" b="1" dirty="0">
                 <a:effectLst/>
-                <a:latin typeface="Times New Roman" panose="02020603050405020304" pitchFamily="18" charset="0"/>
-                <a:ea typeface="Calibri" panose="020F0502020204030204" pitchFamily="34" charset="0"/>
+                <a:latin typeface="Roboto" panose="02000000000000000000" pitchFamily="2" charset="0"/>
+                <a:ea typeface="Roboto" panose="02000000000000000000" pitchFamily="2" charset="0"/>
                 <a:cs typeface="Times New Roman" panose="02020603050405020304" pitchFamily="18" charset="0"/>
               </a:rPr>
               <a:t> </a:t>
@@ -3245,8 +3160,8 @@
             <a:r>
               <a:rPr lang="en-US" sz="3000" b="1" dirty="0" err="1">
                 <a:effectLst/>
-                <a:latin typeface="Times New Roman" panose="02020603050405020304" pitchFamily="18" charset="0"/>
-                <a:ea typeface="Calibri" panose="020F0502020204030204" pitchFamily="34" charset="0"/>
+                <a:latin typeface="Roboto" panose="02000000000000000000" pitchFamily="2" charset="0"/>
+                <a:ea typeface="Roboto" panose="02000000000000000000" pitchFamily="2" charset="0"/>
                 <a:cs typeface="Times New Roman" panose="02020603050405020304" pitchFamily="18" charset="0"/>
               </a:rPr>
               <a:t>hệ</a:t>
@@ -3254,8 +3169,8 @@
             <a:r>
               <a:rPr lang="en-US" sz="3000" b="1" dirty="0">
                 <a:effectLst/>
-                <a:latin typeface="Times New Roman" panose="02020603050405020304" pitchFamily="18" charset="0"/>
-                <a:ea typeface="Calibri" panose="020F0502020204030204" pitchFamily="34" charset="0"/>
+                <a:latin typeface="Roboto" panose="02000000000000000000" pitchFamily="2" charset="0"/>
+                <a:ea typeface="Roboto" panose="02000000000000000000" pitchFamily="2" charset="0"/>
                 <a:cs typeface="Times New Roman" panose="02020603050405020304" pitchFamily="18" charset="0"/>
               </a:rPr>
               <a:t> </a:t>
@@ -3263,8 +3178,8 @@
             <a:r>
               <a:rPr lang="en-US" sz="3000" b="1" dirty="0" err="1">
                 <a:effectLst/>
-                <a:latin typeface="Times New Roman" panose="02020603050405020304" pitchFamily="18" charset="0"/>
-                <a:ea typeface="Calibri" panose="020F0502020204030204" pitchFamily="34" charset="0"/>
+                <a:latin typeface="Roboto" panose="02000000000000000000" pitchFamily="2" charset="0"/>
+                <a:ea typeface="Roboto" panose="02000000000000000000" pitchFamily="2" charset="0"/>
                 <a:cs typeface="Times New Roman" panose="02020603050405020304" pitchFamily="18" charset="0"/>
               </a:rPr>
               <a:t>thống</a:t>
@@ -3272,8 +3187,8 @@
             <a:r>
               <a:rPr lang="en-US" sz="3000" b="1" dirty="0">
                 <a:effectLst/>
-                <a:latin typeface="Times New Roman" panose="02020603050405020304" pitchFamily="18" charset="0"/>
-                <a:ea typeface="Calibri" panose="020F0502020204030204" pitchFamily="34" charset="0"/>
+                <a:latin typeface="Roboto" panose="02000000000000000000" pitchFamily="2" charset="0"/>
+                <a:ea typeface="Roboto" panose="02000000000000000000" pitchFamily="2" charset="0"/>
                 <a:cs typeface="Times New Roman" panose="02020603050405020304" pitchFamily="18" charset="0"/>
               </a:rPr>
               <a:t> </a:t>
@@ -3281,8 +3196,8 @@
             <a:r>
               <a:rPr lang="en-US" sz="3000" b="1" dirty="0" err="1">
                 <a:effectLst/>
-                <a:latin typeface="Times New Roman" panose="02020603050405020304" pitchFamily="18" charset="0"/>
-                <a:ea typeface="Calibri" panose="020F0502020204030204" pitchFamily="34" charset="0"/>
+                <a:latin typeface="Roboto" panose="02000000000000000000" pitchFamily="2" charset="0"/>
+                <a:ea typeface="Roboto" panose="02000000000000000000" pitchFamily="2" charset="0"/>
                 <a:cs typeface="Times New Roman" panose="02020603050405020304" pitchFamily="18" charset="0"/>
               </a:rPr>
               <a:t>CLoud</a:t>
@@ -3290,8 +3205,8 @@
             <a:r>
               <a:rPr lang="en-US" sz="3000" b="1" dirty="0">
                 <a:effectLst/>
-                <a:latin typeface="Times New Roman" panose="02020603050405020304" pitchFamily="18" charset="0"/>
-                <a:ea typeface="Calibri" panose="020F0502020204030204" pitchFamily="34" charset="0"/>
+                <a:latin typeface="Roboto" panose="02000000000000000000" pitchFamily="2" charset="0"/>
+                <a:ea typeface="Roboto" panose="02000000000000000000" pitchFamily="2" charset="0"/>
                 <a:cs typeface="Times New Roman" panose="02020603050405020304" pitchFamily="18" charset="0"/>
               </a:rPr>
               <a:t> </a:t>
@@ -3299,8 +3214,8 @@
             <a:r>
               <a:rPr lang="en-US" sz="3000" b="1" dirty="0" err="1">
                 <a:effectLst/>
-                <a:latin typeface="Times New Roman" panose="02020603050405020304" pitchFamily="18" charset="0"/>
-                <a:ea typeface="Calibri" panose="020F0502020204030204" pitchFamily="34" charset="0"/>
+                <a:latin typeface="Roboto" panose="02000000000000000000" pitchFamily="2" charset="0"/>
+                <a:ea typeface="Roboto" panose="02000000000000000000" pitchFamily="2" charset="0"/>
                 <a:cs typeface="Times New Roman" panose="02020603050405020304" pitchFamily="18" charset="0"/>
               </a:rPr>
               <a:t>mô</a:t>
@@ -3308,8 +3223,8 @@
             <a:r>
               <a:rPr lang="en-US" sz="3000" b="1" dirty="0">
                 <a:effectLst/>
-                <a:latin typeface="Times New Roman" panose="02020603050405020304" pitchFamily="18" charset="0"/>
-                <a:ea typeface="Calibri" panose="020F0502020204030204" pitchFamily="34" charset="0"/>
+                <a:latin typeface="Roboto" panose="02000000000000000000" pitchFamily="2" charset="0"/>
+                <a:ea typeface="Roboto" panose="02000000000000000000" pitchFamily="2" charset="0"/>
                 <a:cs typeface="Times New Roman" panose="02020603050405020304" pitchFamily="18" charset="0"/>
               </a:rPr>
               <a:t> </a:t>
@@ -3317,8 +3232,8 @@
             <a:r>
               <a:rPr lang="en-US" sz="3000" b="1" dirty="0" err="1">
                 <a:effectLst/>
-                <a:latin typeface="Times New Roman" panose="02020603050405020304" pitchFamily="18" charset="0"/>
-                <a:ea typeface="Calibri" panose="020F0502020204030204" pitchFamily="34" charset="0"/>
+                <a:latin typeface="Roboto" panose="02000000000000000000" pitchFamily="2" charset="0"/>
+                <a:ea typeface="Roboto" panose="02000000000000000000" pitchFamily="2" charset="0"/>
                 <a:cs typeface="Times New Roman" panose="02020603050405020304" pitchFamily="18" charset="0"/>
               </a:rPr>
               <a:t>phỏng</a:t>
@@ -3326,8 +3241,8 @@
             <a:r>
               <a:rPr lang="en-US" sz="3000" b="1" dirty="0">
                 <a:effectLst/>
-                <a:latin typeface="Times New Roman" panose="02020603050405020304" pitchFamily="18" charset="0"/>
-                <a:ea typeface="Calibri" panose="020F0502020204030204" pitchFamily="34" charset="0"/>
+                <a:latin typeface="Roboto" panose="02000000000000000000" pitchFamily="2" charset="0"/>
+                <a:ea typeface="Roboto" panose="02000000000000000000" pitchFamily="2" charset="0"/>
                 <a:cs typeface="Times New Roman" panose="02020603050405020304" pitchFamily="18" charset="0"/>
               </a:rPr>
               <a:t> </a:t>
@@ -3335,8 +3250,8 @@
             <a:r>
               <a:rPr lang="en-US" sz="3000" b="1" dirty="0" err="1">
                 <a:effectLst/>
-                <a:latin typeface="Times New Roman" panose="02020603050405020304" pitchFamily="18" charset="0"/>
-                <a:ea typeface="Calibri" panose="020F0502020204030204" pitchFamily="34" charset="0"/>
+                <a:latin typeface="Roboto" panose="02000000000000000000" pitchFamily="2" charset="0"/>
+                <a:ea typeface="Roboto" panose="02000000000000000000" pitchFamily="2" charset="0"/>
                 <a:cs typeface="Times New Roman" panose="02020603050405020304" pitchFamily="18" charset="0"/>
               </a:rPr>
               <a:t>trang</a:t>
@@ -3344,8 +3259,8 @@
             <a:r>
               <a:rPr lang="en-US" sz="3000" b="1" dirty="0">
                 <a:effectLst/>
-                <a:latin typeface="Times New Roman" panose="02020603050405020304" pitchFamily="18" charset="0"/>
-                <a:ea typeface="Calibri" panose="020F0502020204030204" pitchFamily="34" charset="0"/>
+                <a:latin typeface="Roboto" panose="02000000000000000000" pitchFamily="2" charset="0"/>
+                <a:ea typeface="Roboto" panose="02000000000000000000" pitchFamily="2" charset="0"/>
                 <a:cs typeface="Times New Roman" panose="02020603050405020304" pitchFamily="18" charset="0"/>
               </a:rPr>
               <a:t> </a:t>
@@ -3353,8 +3268,8 @@
             <a:r>
               <a:rPr lang="en-US" sz="3000" b="1" dirty="0" err="1">
                 <a:effectLst/>
-                <a:latin typeface="Times New Roman" panose="02020603050405020304" pitchFamily="18" charset="0"/>
-                <a:ea typeface="Calibri" panose="020F0502020204030204" pitchFamily="34" charset="0"/>
+                <a:latin typeface="Roboto" panose="02000000000000000000" pitchFamily="2" charset="0"/>
+                <a:ea typeface="Roboto" panose="02000000000000000000" pitchFamily="2" charset="0"/>
                 <a:cs typeface="Times New Roman" panose="02020603050405020304" pitchFamily="18" charset="0"/>
               </a:rPr>
               <a:t>đăng</a:t>
@@ -3362,8 +3277,8 @@
             <a:r>
               <a:rPr lang="en-US" sz="3000" b="1" dirty="0">
                 <a:effectLst/>
-                <a:latin typeface="Times New Roman" panose="02020603050405020304" pitchFamily="18" charset="0"/>
-                <a:ea typeface="Calibri" panose="020F0502020204030204" pitchFamily="34" charset="0"/>
+                <a:latin typeface="Roboto" panose="02000000000000000000" pitchFamily="2" charset="0"/>
+                <a:ea typeface="Roboto" panose="02000000000000000000" pitchFamily="2" charset="0"/>
                 <a:cs typeface="Times New Roman" panose="02020603050405020304" pitchFamily="18" charset="0"/>
               </a:rPr>
               <a:t> </a:t>
@@ -3371,8 +3286,8 @@
             <a:r>
               <a:rPr lang="en-US" sz="3000" b="1" dirty="0" err="1">
                 <a:effectLst/>
-                <a:latin typeface="Times New Roman" panose="02020603050405020304" pitchFamily="18" charset="0"/>
-                <a:ea typeface="Calibri" panose="020F0502020204030204" pitchFamily="34" charset="0"/>
+                <a:latin typeface="Roboto" panose="02000000000000000000" pitchFamily="2" charset="0"/>
+                <a:ea typeface="Roboto" panose="02000000000000000000" pitchFamily="2" charset="0"/>
                 <a:cs typeface="Times New Roman" panose="02020603050405020304" pitchFamily="18" charset="0"/>
               </a:rPr>
               <a:t>ký</a:t>
@@ -3380,8 +3295,8 @@
             <a:r>
               <a:rPr lang="en-US" sz="3000" b="1" dirty="0">
                 <a:effectLst/>
-                <a:latin typeface="Times New Roman" panose="02020603050405020304" pitchFamily="18" charset="0"/>
-                <a:ea typeface="Calibri" panose="020F0502020204030204" pitchFamily="34" charset="0"/>
+                <a:latin typeface="Roboto" panose="02000000000000000000" pitchFamily="2" charset="0"/>
+                <a:ea typeface="Roboto" panose="02000000000000000000" pitchFamily="2" charset="0"/>
                 <a:cs typeface="Times New Roman" panose="02020603050405020304" pitchFamily="18" charset="0"/>
               </a:rPr>
               <a:t> </a:t>
@@ -3389,8 +3304,8 @@
             <a:r>
               <a:rPr lang="en-US" sz="3000" b="1" dirty="0" err="1">
                 <a:effectLst/>
-                <a:latin typeface="Times New Roman" panose="02020603050405020304" pitchFamily="18" charset="0"/>
-                <a:ea typeface="Calibri" panose="020F0502020204030204" pitchFamily="34" charset="0"/>
+                <a:latin typeface="Roboto" panose="02000000000000000000" pitchFamily="2" charset="0"/>
+                <a:ea typeface="Roboto" panose="02000000000000000000" pitchFamily="2" charset="0"/>
                 <a:cs typeface="Times New Roman" panose="02020603050405020304" pitchFamily="18" charset="0"/>
               </a:rPr>
               <a:t>môn</a:t>
@@ -3398,8 +3313,8 @@
             <a:r>
               <a:rPr lang="en-US" sz="3000" b="1" dirty="0">
                 <a:effectLst/>
-                <a:latin typeface="Times New Roman" panose="02020603050405020304" pitchFamily="18" charset="0"/>
-                <a:ea typeface="Calibri" panose="020F0502020204030204" pitchFamily="34" charset="0"/>
+                <a:latin typeface="Roboto" panose="02000000000000000000" pitchFamily="2" charset="0"/>
+                <a:ea typeface="Roboto" panose="02000000000000000000" pitchFamily="2" charset="0"/>
                 <a:cs typeface="Times New Roman" panose="02020603050405020304" pitchFamily="18" charset="0"/>
               </a:rPr>
               <a:t> </a:t>
@@ -3407,8 +3322,8 @@
             <a:r>
               <a:rPr lang="en-US" sz="3000" b="1" dirty="0" err="1">
                 <a:effectLst/>
-                <a:latin typeface="Times New Roman" panose="02020603050405020304" pitchFamily="18" charset="0"/>
-                <a:ea typeface="Calibri" panose="020F0502020204030204" pitchFamily="34" charset="0"/>
+                <a:latin typeface="Roboto" panose="02000000000000000000" pitchFamily="2" charset="0"/>
+                <a:ea typeface="Roboto" panose="02000000000000000000" pitchFamily="2" charset="0"/>
                 <a:cs typeface="Times New Roman" panose="02020603050405020304" pitchFamily="18" charset="0"/>
               </a:rPr>
               <a:t>học</a:t>
@@ -3416,8 +3331,8 @@
             <a:r>
               <a:rPr lang="en-US" sz="3000" b="1" dirty="0">
                 <a:effectLst/>
-                <a:latin typeface="Times New Roman" panose="02020603050405020304" pitchFamily="18" charset="0"/>
-                <a:ea typeface="Calibri" panose="020F0502020204030204" pitchFamily="34" charset="0"/>
+                <a:latin typeface="Roboto" panose="02000000000000000000" pitchFamily="2" charset="0"/>
+                <a:ea typeface="Roboto" panose="02000000000000000000" pitchFamily="2" charset="0"/>
                 <a:cs typeface="Times New Roman" panose="02020603050405020304" pitchFamily="18" charset="0"/>
               </a:rPr>
               <a:t> </a:t>
@@ -3425,8 +3340,8 @@
             <a:r>
               <a:rPr lang="en-US" sz="3000" b="1" dirty="0" err="1">
                 <a:effectLst/>
-                <a:latin typeface="Times New Roman" panose="02020603050405020304" pitchFamily="18" charset="0"/>
-                <a:ea typeface="Calibri" panose="020F0502020204030204" pitchFamily="34" charset="0"/>
+                <a:latin typeface="Roboto" panose="02000000000000000000" pitchFamily="2" charset="0"/>
+                <a:ea typeface="Roboto" panose="02000000000000000000" pitchFamily="2" charset="0"/>
                 <a:cs typeface="Times New Roman" panose="02020603050405020304" pitchFamily="18" charset="0"/>
               </a:rPr>
               <a:t>có</a:t>
@@ -3434,8 +3349,8 @@
             <a:r>
               <a:rPr lang="en-US" sz="3000" b="1" dirty="0">
                 <a:effectLst/>
-                <a:latin typeface="Times New Roman" panose="02020603050405020304" pitchFamily="18" charset="0"/>
-                <a:ea typeface="Calibri" panose="020F0502020204030204" pitchFamily="34" charset="0"/>
+                <a:latin typeface="Roboto" panose="02000000000000000000" pitchFamily="2" charset="0"/>
+                <a:ea typeface="Roboto" panose="02000000000000000000" pitchFamily="2" charset="0"/>
                 <a:cs typeface="Times New Roman" panose="02020603050405020304" pitchFamily="18" charset="0"/>
               </a:rPr>
               <a:t> </a:t>
@@ -3443,8 +3358,8 @@
             <a:r>
               <a:rPr lang="en-US" sz="3000" b="1" dirty="0" err="1">
                 <a:effectLst/>
-                <a:latin typeface="Times New Roman" panose="02020603050405020304" pitchFamily="18" charset="0"/>
-                <a:ea typeface="Calibri" panose="020F0502020204030204" pitchFamily="34" charset="0"/>
+                <a:latin typeface="Roboto" panose="02000000000000000000" pitchFamily="2" charset="0"/>
+                <a:ea typeface="Roboto" panose="02000000000000000000" pitchFamily="2" charset="0"/>
                 <a:cs typeface="Times New Roman" panose="02020603050405020304" pitchFamily="18" charset="0"/>
               </a:rPr>
               <a:t>thể</a:t>
@@ -3452,8 +3367,8 @@
             <a:r>
               <a:rPr lang="en-US" sz="3000" b="1" dirty="0">
                 <a:effectLst/>
-                <a:latin typeface="Times New Roman" panose="02020603050405020304" pitchFamily="18" charset="0"/>
-                <a:ea typeface="Calibri" panose="020F0502020204030204" pitchFamily="34" charset="0"/>
+                <a:latin typeface="Roboto" panose="02000000000000000000" pitchFamily="2" charset="0"/>
+                <a:ea typeface="Roboto" panose="02000000000000000000" pitchFamily="2" charset="0"/>
                 <a:cs typeface="Times New Roman" panose="02020603050405020304" pitchFamily="18" charset="0"/>
               </a:rPr>
               <a:t> </a:t>
@@ -3461,8 +3376,8 @@
             <a:r>
               <a:rPr lang="en-US" sz="3000" b="1" dirty="0" err="1">
                 <a:effectLst/>
-                <a:latin typeface="Times New Roman" panose="02020603050405020304" pitchFamily="18" charset="0"/>
-                <a:ea typeface="Calibri" panose="020F0502020204030204" pitchFamily="34" charset="0"/>
+                <a:latin typeface="Roboto" panose="02000000000000000000" pitchFamily="2" charset="0"/>
+                <a:ea typeface="Roboto" panose="02000000000000000000" pitchFamily="2" charset="0"/>
                 <a:cs typeface="Times New Roman" panose="02020603050405020304" pitchFamily="18" charset="0"/>
               </a:rPr>
               <a:t>tự</a:t>
@@ -3470,27 +3385,25 @@
             <a:r>
               <a:rPr lang="en-US" sz="3000" b="1" dirty="0">
                 <a:effectLst/>
-                <a:latin typeface="Times New Roman" panose="02020603050405020304" pitchFamily="18" charset="0"/>
-                <a:ea typeface="Calibri" panose="020F0502020204030204" pitchFamily="34" charset="0"/>
+                <a:latin typeface="Roboto" panose="02000000000000000000" pitchFamily="2" charset="0"/>
+                <a:ea typeface="Roboto" panose="02000000000000000000" pitchFamily="2" charset="0"/>
                 <a:cs typeface="Times New Roman" panose="02020603050405020304" pitchFamily="18" charset="0"/>
               </a:rPr>
-              <a:t> scale up, scale down</a:t>
-            </a:r>
-            <a:br>
-              <a:rPr lang="en-US" dirty="0">
+              <a:t> scale up, </a:t>
+            </a:r>
+            <a:r>
+              <a:rPr lang="en-US" sz="3000" b="1">
                 <a:effectLst/>
-                <a:latin typeface="Calibri" panose="020F0502020204030204" pitchFamily="34" charset="0"/>
-                <a:ea typeface="Calibri" panose="020F0502020204030204" pitchFamily="34" charset="0"/>
+                <a:latin typeface="Roboto" panose="02000000000000000000" pitchFamily="2" charset="0"/>
+                <a:ea typeface="Roboto" panose="02000000000000000000" pitchFamily="2" charset="0"/>
                 <a:cs typeface="Times New Roman" panose="02020603050405020304" pitchFamily="18" charset="0"/>
               </a:rPr>
-            </a:br>
-            <a:br>
-              <a:rPr lang="en-US" dirty="0"/>
-            </a:br>
-            <a:r>
-              <a:rPr lang="en-US" b="0" dirty="0"/>
-              <a:t>BÁO CÁO ĐỀ TÀI</a:t>
-            </a:r>
+              <a:t>scale down</a:t>
+            </a:r>
+            <a:endParaRPr lang="en-US" b="0" dirty="0">
+              <a:latin typeface="Roboto" panose="02000000000000000000" pitchFamily="2" charset="0"/>
+              <a:ea typeface="Roboto" panose="02000000000000000000" pitchFamily="2" charset="0"/>
+            </a:endParaRPr>
           </a:p>
         </p:txBody>
       </p:sp>
@@ -3509,7 +3422,7 @@
           <p:nvPr>
             <p:extLst>
               <p:ext uri="{D42A27DB-BD31-4B8C-83A1-F6EECF244321}">
-                <p14:modId xmlns:p14="http://schemas.microsoft.com/office/powerpoint/2010/main" val="2144775917"/>
+                <p14:modId xmlns:p14="http://schemas.microsoft.com/office/powerpoint/2010/main" val="3217412898"/>
               </p:ext>
             </p:extLst>
           </p:nvPr>
@@ -3552,6 +3465,8 @@
                           <a:solidFill>
                             <a:schemeClr val="bg1"/>
                           </a:solidFill>
+                          <a:latin typeface="Roboto" panose="02000000000000000000" pitchFamily="2" charset="0"/>
+                          <a:ea typeface="Roboto" panose="02000000000000000000" pitchFamily="2" charset="0"/>
                         </a:rPr>
                         <a:t>Nguyễn Minh Đức </a:t>
                       </a:r>
@@ -3590,6 +3505,8 @@
                           <a:solidFill>
                             <a:schemeClr val="bg1"/>
                           </a:solidFill>
+                          <a:latin typeface="Roboto" panose="02000000000000000000" pitchFamily="2" charset="0"/>
+                          <a:ea typeface="Roboto" panose="02000000000000000000" pitchFamily="2" charset="0"/>
                         </a:rPr>
                         <a:t>19110351</a:t>
                       </a:r>
@@ -3600,6 +3517,8 @@
                         <a:solidFill>
                           <a:schemeClr val="bg1"/>
                         </a:solidFill>
+                        <a:latin typeface="Roboto" panose="02000000000000000000" pitchFamily="2" charset="0"/>
+                        <a:ea typeface="Roboto" panose="02000000000000000000" pitchFamily="2" charset="0"/>
                       </a:endParaRPr>
                     </a:p>
                   </a:txBody>
@@ -3627,6 +3546,8 @@
                           <a:solidFill>
                             <a:schemeClr val="bg1"/>
                           </a:solidFill>
+                          <a:latin typeface="Roboto" panose="02000000000000000000" pitchFamily="2" charset="0"/>
+                          <a:ea typeface="Roboto" panose="02000000000000000000" pitchFamily="2" charset="0"/>
                         </a:rPr>
                         <a:t>Huỳnh</a:t>
                       </a:r>
@@ -3635,6 +3556,8 @@
                           <a:solidFill>
                             <a:schemeClr val="bg1"/>
                           </a:solidFill>
+                          <a:latin typeface="Roboto" panose="02000000000000000000" pitchFamily="2" charset="0"/>
+                          <a:ea typeface="Roboto" panose="02000000000000000000" pitchFamily="2" charset="0"/>
                         </a:rPr>
                         <a:t> Đức </a:t>
                       </a:r>
@@ -3643,6 +3566,8 @@
                           <a:solidFill>
                             <a:schemeClr val="bg1"/>
                           </a:solidFill>
+                          <a:latin typeface="Roboto" panose="02000000000000000000" pitchFamily="2" charset="0"/>
+                          <a:ea typeface="Roboto" panose="02000000000000000000" pitchFamily="2" charset="0"/>
                         </a:rPr>
                         <a:t>Tòng</a:t>
                       </a:r>
@@ -3651,6 +3576,8 @@
                           <a:solidFill>
                             <a:schemeClr val="bg1"/>
                           </a:solidFill>
+                          <a:latin typeface="Roboto" panose="02000000000000000000" pitchFamily="2" charset="0"/>
+                          <a:ea typeface="Roboto" panose="02000000000000000000" pitchFamily="2" charset="0"/>
                         </a:rPr>
                         <a:t> </a:t>
                       </a:r>
@@ -3689,6 +3616,8 @@
                           <a:solidFill>
                             <a:schemeClr val="bg1"/>
                           </a:solidFill>
+                          <a:latin typeface="Roboto" panose="02000000000000000000" pitchFamily="2" charset="0"/>
+                          <a:ea typeface="Roboto" panose="02000000000000000000" pitchFamily="2" charset="0"/>
                         </a:rPr>
                         <a:t>19110481</a:t>
                       </a:r>
@@ -3699,6 +3628,8 @@
                         <a:solidFill>
                           <a:schemeClr val="bg1"/>
                         </a:solidFill>
+                        <a:latin typeface="Roboto" panose="02000000000000000000" pitchFamily="2" charset="0"/>
+                        <a:ea typeface="Roboto" panose="02000000000000000000" pitchFamily="2" charset="0"/>
                       </a:endParaRPr>
                     </a:p>
                   </a:txBody>
@@ -3726,6 +3657,8 @@
                           <a:solidFill>
                             <a:schemeClr val="bg1"/>
                           </a:solidFill>
+                          <a:latin typeface="Roboto" panose="02000000000000000000" pitchFamily="2" charset="0"/>
+                          <a:ea typeface="Roboto" panose="02000000000000000000" pitchFamily="2" charset="0"/>
                         </a:rPr>
                         <a:t>Tạ</a:t>
                       </a:r>
@@ -3734,6 +3667,8 @@
                           <a:solidFill>
                             <a:schemeClr val="bg1"/>
                           </a:solidFill>
+                          <a:latin typeface="Roboto" panose="02000000000000000000" pitchFamily="2" charset="0"/>
+                          <a:ea typeface="Roboto" panose="02000000000000000000" pitchFamily="2" charset="0"/>
                         </a:rPr>
                         <a:t> </a:t>
                       </a:r>
@@ -3742,6 +3677,8 @@
                           <a:solidFill>
                             <a:schemeClr val="bg1"/>
                           </a:solidFill>
+                          <a:latin typeface="Roboto" panose="02000000000000000000" pitchFamily="2" charset="0"/>
+                          <a:ea typeface="Roboto" panose="02000000000000000000" pitchFamily="2" charset="0"/>
                         </a:rPr>
                         <a:t>Quốc</a:t>
                       </a:r>
@@ -3750,6 +3687,8 @@
                           <a:solidFill>
                             <a:schemeClr val="bg1"/>
                           </a:solidFill>
+                          <a:latin typeface="Roboto" panose="02000000000000000000" pitchFamily="2" charset="0"/>
+                          <a:ea typeface="Roboto" panose="02000000000000000000" pitchFamily="2" charset="0"/>
                         </a:rPr>
                         <a:t> Anh </a:t>
                       </a:r>
@@ -3788,6 +3727,8 @@
                           <a:solidFill>
                             <a:schemeClr val="bg1"/>
                           </a:solidFill>
+                          <a:latin typeface="Roboto" panose="02000000000000000000" pitchFamily="2" charset="0"/>
+                          <a:ea typeface="Roboto" panose="02000000000000000000" pitchFamily="2" charset="0"/>
                         </a:rPr>
                         <a:t>19110323</a:t>
                       </a:r>
@@ -3798,6 +3739,8 @@
                         <a:solidFill>
                           <a:schemeClr val="bg1"/>
                         </a:solidFill>
+                        <a:latin typeface="Roboto" panose="02000000000000000000" pitchFamily="2" charset="0"/>
+                        <a:ea typeface="Roboto" panose="02000000000000000000" pitchFamily="2" charset="0"/>
                       </a:endParaRPr>
                     </a:p>
                   </a:txBody>
@@ -3832,7 +3775,7 @@
         <p:spPr>
           <a:xfrm>
             <a:off x="3505200" y="6096000"/>
-            <a:ext cx="3044423" cy="369332"/>
+            <a:ext cx="3480440" cy="369332"/>
           </a:xfrm>
           <a:prstGeom prst="rect">
             <a:avLst/>
@@ -3850,22 +3793,38 @@
                 <a:solidFill>
                   <a:schemeClr val="bg1"/>
                 </a:solidFill>
+                <a:latin typeface="Roboto" panose="02000000000000000000" pitchFamily="2" charset="0"/>
+                <a:ea typeface="Roboto" panose="02000000000000000000" pitchFamily="2" charset="0"/>
               </a:rPr>
-              <a:t>GVHD: </a:t>
+              <a:t>GVHD</a:t>
+            </a:r>
+            <a:r>
+              <a:rPr lang="en-US">
+                <a:solidFill>
+                  <a:schemeClr val="bg1"/>
+                </a:solidFill>
+                <a:latin typeface="Roboto" panose="02000000000000000000" pitchFamily="2" charset="0"/>
+                <a:ea typeface="Roboto" panose="02000000000000000000" pitchFamily="2" charset="0"/>
+              </a:rPr>
+              <a:t>: Thầy Huỳnh </a:t>
             </a:r>
             <a:r>
               <a:rPr lang="en-US" dirty="0" err="1">
                 <a:solidFill>
                   <a:schemeClr val="bg1"/>
                 </a:solidFill>
+                <a:latin typeface="Roboto" panose="02000000000000000000" pitchFamily="2" charset="0"/>
+                <a:ea typeface="Roboto" panose="02000000000000000000" pitchFamily="2" charset="0"/>
               </a:rPr>
-              <a:t>Huỳnh</a:t>
+              <a:t>Xuân</a:t>
             </a:r>
             <a:r>
               <a:rPr lang="en-US" dirty="0">
                 <a:solidFill>
                   <a:schemeClr val="bg1"/>
                 </a:solidFill>
+                <a:latin typeface="Roboto" panose="02000000000000000000" pitchFamily="2" charset="0"/>
+                <a:ea typeface="Roboto" panose="02000000000000000000" pitchFamily="2" charset="0"/>
               </a:rPr>
               <a:t> </a:t>
             </a:r>
@@ -3874,30 +3833,18 @@
                 <a:solidFill>
                   <a:schemeClr val="bg1"/>
                 </a:solidFill>
+                <a:latin typeface="Roboto" panose="02000000000000000000" pitchFamily="2" charset="0"/>
+                <a:ea typeface="Roboto" panose="02000000000000000000" pitchFamily="2" charset="0"/>
               </a:rPr>
-              <a:t>Xuân</a:t>
+              <a:t>Phụng</a:t>
             </a:r>
             <a:r>
               <a:rPr lang="en-US" dirty="0">
                 <a:solidFill>
                   <a:schemeClr val="bg1"/>
                 </a:solidFill>
-              </a:rPr>
-              <a:t> </a:t>
-            </a:r>
-            <a:r>
-              <a:rPr lang="en-US" dirty="0" err="1">
-                <a:solidFill>
-                  <a:schemeClr val="bg1"/>
-                </a:solidFill>
-              </a:rPr>
-              <a:t>Phụng</a:t>
-            </a:r>
-            <a:r>
-              <a:rPr lang="en-US" dirty="0">
-                <a:solidFill>
-                  <a:schemeClr val="bg1"/>
-                </a:solidFill>
+                <a:latin typeface="Roboto" panose="02000000000000000000" pitchFamily="2" charset="0"/>
+                <a:ea typeface="Roboto" panose="02000000000000000000" pitchFamily="2" charset="0"/>
               </a:rPr>
               <a:t> </a:t>
             </a:r>
@@ -3996,6 +3943,66 @@
               <a:rPr lang="en-US" dirty="0"/>
               <a:t>1. Template</a:t>
             </a:r>
+          </a:p>
+        </p:txBody>
+      </p:sp>
+      <p:sp>
+        <p:nvSpPr>
+          <p:cNvPr id="8" name="TextBox 7">
+            <a:extLst>
+              <a:ext uri="{FF2B5EF4-FFF2-40B4-BE49-F238E27FC236}">
+                <a16:creationId xmlns:a16="http://schemas.microsoft.com/office/drawing/2014/main" id="{3923C835-7BAC-4248-82D9-424306F59577}"/>
+              </a:ext>
+            </a:extLst>
+          </p:cNvPr>
+          <p:cNvSpPr txBox="1"/>
+          <p:nvPr/>
+        </p:nvSpPr>
+        <p:spPr>
+          <a:xfrm>
+            <a:off x="3856557" y="2362200"/>
+            <a:ext cx="4045132" cy="707886"/>
+          </a:xfrm>
+          <a:prstGeom prst="rect">
+            <a:avLst/>
+          </a:prstGeom>
+          <a:noFill/>
+        </p:spPr>
+        <p:txBody>
+          <a:bodyPr wrap="square">
+            <a:spAutoFit/>
+          </a:bodyPr>
+          <a:lstStyle/>
+          <a:p>
+            <a:r>
+              <a:rPr lang="en-US" sz="4000" b="1">
+                <a:solidFill>
+                  <a:schemeClr val="bg1"/>
+                </a:solidFill>
+                <a:effectLst>
+                  <a:outerShdw blurRad="38100" dist="38100" dir="2700000" algn="tl">
+                    <a:srgbClr val="000000">
+                      <a:alpha val="43137"/>
+                    </a:srgbClr>
+                  </a:outerShdw>
+                </a:effectLst>
+                <a:latin typeface="Roboto" panose="02000000000000000000" pitchFamily="2" charset="0"/>
+                <a:ea typeface="Roboto" panose="02000000000000000000" pitchFamily="2" charset="0"/>
+              </a:rPr>
+              <a:t>BÁO CÁO ĐỀ TÀI</a:t>
+            </a:r>
+            <a:endParaRPr lang="en-US" sz="4000" b="1">
+              <a:solidFill>
+                <a:schemeClr val="bg1"/>
+              </a:solidFill>
+              <a:effectLst>
+                <a:outerShdw blurRad="38100" dist="38100" dir="2700000" algn="tl">
+                  <a:srgbClr val="000000">
+                    <a:alpha val="43137"/>
+                  </a:srgbClr>
+                </a:outerShdw>
+              </a:effectLst>
+            </a:endParaRPr>
           </a:p>
         </p:txBody>
       </p:sp>
@@ -4046,40 +4053,27 @@
             <p:ph type="title"/>
           </p:nvPr>
         </p:nvSpPr>
-        <p:spPr/>
+        <p:spPr>
+          <a:xfrm>
+            <a:off x="466725" y="381198"/>
+            <a:ext cx="2886075" cy="675926"/>
+          </a:xfrm>
+        </p:spPr>
         <p:txBody>
           <a:bodyPr/>
           <a:lstStyle/>
           <a:p>
             <a:r>
-              <a:rPr lang="en-US" dirty="0" err="1"/>
-              <a:t>Tiến</a:t>
-            </a:r>
-            <a:r>
-              <a:rPr lang="en-US" dirty="0"/>
-              <a:t> </a:t>
-            </a:r>
-            <a:r>
-              <a:rPr lang="en-US" dirty="0" err="1"/>
-              <a:t>độ</a:t>
-            </a:r>
-            <a:r>
-              <a:rPr lang="en-US" dirty="0"/>
-              <a:t> </a:t>
-            </a:r>
-            <a:r>
-              <a:rPr lang="en-US" dirty="0" err="1"/>
-              <a:t>thực</a:t>
-            </a:r>
-            <a:r>
-              <a:rPr lang="en-US" dirty="0"/>
-              <a:t> </a:t>
-            </a:r>
-            <a:r>
-              <a:rPr lang="en-US" dirty="0" err="1"/>
-              <a:t>hiện</a:t>
-            </a:r>
-            <a:endParaRPr lang="en-US" dirty="0"/>
+              <a:rPr lang="en-US">
+                <a:latin typeface="Roboto" panose="02000000000000000000" pitchFamily="2" charset="0"/>
+                <a:ea typeface="Roboto" panose="02000000000000000000" pitchFamily="2" charset="0"/>
+              </a:rPr>
+              <a:t>Các dịch vụ </a:t>
+            </a:r>
+            <a:endParaRPr lang="en-US" dirty="0">
+              <a:latin typeface="Roboto" panose="02000000000000000000" pitchFamily="2" charset="0"/>
+              <a:ea typeface="Roboto" panose="02000000000000000000" pitchFamily="2" charset="0"/>
+            </a:endParaRPr>
           </a:p>
         </p:txBody>
       </p:sp>
@@ -4109,116 +4103,6 @@
               <a:pPr/>
               <a:t>2</a:t>
             </a:fld>
-            <a:endParaRPr lang="en-US" dirty="0"/>
-          </a:p>
-        </p:txBody>
-      </p:sp>
-      <p:sp>
-        <p:nvSpPr>
-          <p:cNvPr id="6" name="Rectangle: Rounded Corners 5">
-            <a:extLst>
-              <a:ext uri="{FF2B5EF4-FFF2-40B4-BE49-F238E27FC236}">
-                <a16:creationId xmlns:a16="http://schemas.microsoft.com/office/drawing/2014/main" id="{CC8E440A-7527-4FF8-BAA9-6C3636680150}"/>
-              </a:ext>
-            </a:extLst>
-          </p:cNvPr>
-          <p:cNvSpPr/>
-          <p:nvPr/>
-        </p:nvSpPr>
-        <p:spPr>
-          <a:xfrm>
-            <a:off x="466724" y="1371600"/>
-            <a:ext cx="4628311" cy="304800"/>
-          </a:xfrm>
-          <a:prstGeom prst="roundRect">
-            <a:avLst/>
-          </a:prstGeom>
-        </p:spPr>
-        <p:style>
-          <a:lnRef idx="2">
-            <a:schemeClr val="accent1">
-              <a:shade val="50000"/>
-            </a:schemeClr>
-          </a:lnRef>
-          <a:fillRef idx="1">
-            <a:schemeClr val="accent1"/>
-          </a:fillRef>
-          <a:effectRef idx="0">
-            <a:schemeClr val="accent1"/>
-          </a:effectRef>
-          <a:fontRef idx="minor">
-            <a:schemeClr val="lt1"/>
-          </a:fontRef>
-        </p:style>
-        <p:txBody>
-          <a:bodyPr rtlCol="0" anchor="ctr"/>
-          <a:lstStyle/>
-          <a:p>
-            <a:pPr algn="ctr"/>
-            <a:r>
-              <a:rPr lang="en-US" dirty="0"/>
-              <a:t>1. </a:t>
-            </a:r>
-            <a:r>
-              <a:rPr lang="en-US" dirty="0" err="1"/>
-              <a:t>Những</a:t>
-            </a:r>
-            <a:r>
-              <a:rPr lang="en-US" dirty="0"/>
-              <a:t> </a:t>
-            </a:r>
-            <a:r>
-              <a:rPr lang="en-US" dirty="0" err="1"/>
-              <a:t>dịch</a:t>
-            </a:r>
-            <a:r>
-              <a:rPr lang="en-US" dirty="0"/>
-              <a:t> </a:t>
-            </a:r>
-            <a:r>
-              <a:rPr lang="en-US" dirty="0" err="1"/>
-              <a:t>vụ</a:t>
-            </a:r>
-            <a:r>
-              <a:rPr lang="en-US" dirty="0"/>
-              <a:t> AWS </a:t>
-            </a:r>
-            <a:r>
-              <a:rPr lang="en-US" dirty="0" err="1"/>
-              <a:t>sử</a:t>
-            </a:r>
-            <a:r>
-              <a:rPr lang="en-US" dirty="0"/>
-              <a:t> </a:t>
-            </a:r>
-            <a:r>
-              <a:rPr lang="en-US" dirty="0" err="1"/>
-              <a:t>dụng</a:t>
-            </a:r>
-            <a:r>
-              <a:rPr lang="en-US" dirty="0"/>
-              <a:t> </a:t>
-            </a:r>
-            <a:r>
-              <a:rPr lang="en-US" dirty="0" err="1"/>
-              <a:t>cho</a:t>
-            </a:r>
-            <a:r>
-              <a:rPr lang="en-US" dirty="0"/>
-              <a:t> </a:t>
-            </a:r>
-            <a:r>
-              <a:rPr lang="en-US" dirty="0" err="1"/>
-              <a:t>đề</a:t>
-            </a:r>
-            <a:r>
-              <a:rPr lang="en-US" dirty="0"/>
-              <a:t> </a:t>
-            </a:r>
-            <a:r>
-              <a:rPr lang="en-US" dirty="0" err="1"/>
-              <a:t>tài</a:t>
-            </a:r>
             <a:endParaRPr lang="en-US" dirty="0"/>
           </a:p>
         </p:txBody>
@@ -4588,9 +4472,239 @@
           <a:chExt cx="0" cy="0"/>
         </a:xfrm>
       </p:grpSpPr>
-      <p:sp>
-        <p:nvSpPr>
-          <p:cNvPr id="2" name="Rectangle 1"/>
+      <p:pic>
+        <p:nvPicPr>
+          <p:cNvPr id="4" name="Picture 2" descr="All you need to know about EC2 instance - DEV Community">
+            <a:extLst>
+              <a:ext uri="{FF2B5EF4-FFF2-40B4-BE49-F238E27FC236}">
+                <a16:creationId xmlns:a16="http://schemas.microsoft.com/office/drawing/2014/main" id="{3EE758BC-730B-446A-AE70-A9A48A4C6788}"/>
+              </a:ext>
+            </a:extLst>
+          </p:cNvPr>
+          <p:cNvPicPr>
+            <a:picLocks noChangeAspect="1" noChangeArrowheads="1"/>
+          </p:cNvPicPr>
+          <p:nvPr/>
+        </p:nvPicPr>
+        <p:blipFill>
+          <a:blip r:embed="rId2">
+            <a:extLst>
+              <a:ext uri="{28A0092B-C50C-407E-A947-70E740481C1C}">
+                <a14:useLocalDpi xmlns:a14="http://schemas.microsoft.com/office/drawing/2010/main" val="0"/>
+              </a:ext>
+            </a:extLst>
+          </a:blip>
+          <a:srcRect/>
+          <a:stretch>
+            <a:fillRect/>
+          </a:stretch>
+        </p:blipFill>
+        <p:spPr bwMode="auto">
+          <a:xfrm>
+            <a:off x="0" y="1143000"/>
+            <a:ext cx="2590800" cy="1447800"/>
+          </a:xfrm>
+          <a:prstGeom prst="rect">
+            <a:avLst/>
+          </a:prstGeom>
+          <a:noFill/>
+          <a:extLst>
+            <a:ext uri="{909E8E84-426E-40DD-AFC4-6F175D3DCCD1}">
+              <a14:hiddenFill xmlns:a14="http://schemas.microsoft.com/office/drawing/2010/main">
+                <a:solidFill>
+                  <a:srgbClr val="FFFFFF"/>
+                </a:solidFill>
+              </a14:hiddenFill>
+            </a:ext>
+          </a:extLst>
+        </p:spPr>
+      </p:pic>
+      <p:sp>
+        <p:nvSpPr>
+          <p:cNvPr id="8" name="TextBox 7">
+            <a:extLst>
+              <a:ext uri="{FF2B5EF4-FFF2-40B4-BE49-F238E27FC236}">
+                <a16:creationId xmlns:a16="http://schemas.microsoft.com/office/drawing/2014/main" id="{15CE24F1-8025-4EEE-804B-0578FD5A8B21}"/>
+              </a:ext>
+            </a:extLst>
+          </p:cNvPr>
+          <p:cNvSpPr txBox="1"/>
+          <p:nvPr/>
+        </p:nvSpPr>
+        <p:spPr>
+          <a:xfrm>
+            <a:off x="1887583" y="2840950"/>
+            <a:ext cx="7239000" cy="923330"/>
+          </a:xfrm>
+          <a:prstGeom prst="rect">
+            <a:avLst/>
+          </a:prstGeom>
+          <a:noFill/>
+        </p:spPr>
+        <p:txBody>
+          <a:bodyPr wrap="square">
+            <a:spAutoFit/>
+          </a:bodyPr>
+          <a:lstStyle/>
+          <a:p>
+            <a:pPr algn="just"/>
+            <a:r>
+              <a:rPr lang="vi-VN" b="1" i="1">
+                <a:solidFill>
+                  <a:schemeClr val="bg1"/>
+                </a:solidFill>
+                <a:effectLst>
+                  <a:outerShdw blurRad="38100" dist="38100" dir="2700000" algn="tl">
+                    <a:srgbClr val="000000">
+                      <a:alpha val="43137"/>
+                    </a:srgbClr>
+                  </a:outerShdw>
+                </a:effectLst>
+                <a:latin typeface="Roboto" panose="02000000000000000000" pitchFamily="2" charset="0"/>
+                <a:ea typeface="Roboto" panose="02000000000000000000" pitchFamily="2" charset="0"/>
+              </a:rPr>
+              <a:t>Amazon Elastic Compute Cloud</a:t>
+            </a:r>
+            <a:r>
+              <a:rPr lang="vi-VN">
+                <a:solidFill>
+                  <a:schemeClr val="bg1"/>
+                </a:solidFill>
+                <a:latin typeface="Roboto" panose="02000000000000000000" pitchFamily="2" charset="0"/>
+                <a:ea typeface="Roboto" panose="02000000000000000000" pitchFamily="2" charset="0"/>
+              </a:rPr>
+              <a:t> (Amazon EC2) là một cơ sở hạ tầng điện toán đám mây được cung cấp bởi Amazon Web Services (AWS) giúp cung cấp tài nguyên máy tính ảo hoá theo yêu cầu</a:t>
+            </a:r>
+            <a:r>
+              <a:rPr lang="en-US">
+                <a:solidFill>
+                  <a:schemeClr val="bg1"/>
+                </a:solidFill>
+                <a:latin typeface="Roboto" panose="02000000000000000000" pitchFamily="2" charset="0"/>
+                <a:ea typeface="Roboto" panose="02000000000000000000" pitchFamily="2" charset="0"/>
+              </a:rPr>
+              <a:t>.</a:t>
+            </a:r>
+          </a:p>
+        </p:txBody>
+      </p:sp>
+      <p:sp>
+        <p:nvSpPr>
+          <p:cNvPr id="12" name="TextBox 11">
+            <a:extLst>
+              <a:ext uri="{FF2B5EF4-FFF2-40B4-BE49-F238E27FC236}">
+                <a16:creationId xmlns:a16="http://schemas.microsoft.com/office/drawing/2014/main" id="{65A183DB-4ED0-43CD-913D-921D61F65C1F}"/>
+              </a:ext>
+            </a:extLst>
+          </p:cNvPr>
+          <p:cNvSpPr txBox="1"/>
+          <p:nvPr/>
+        </p:nvSpPr>
+        <p:spPr>
+          <a:xfrm>
+            <a:off x="1828800" y="4044910"/>
+            <a:ext cx="7239000" cy="923330"/>
+          </a:xfrm>
+          <a:prstGeom prst="rect">
+            <a:avLst/>
+          </a:prstGeom>
+          <a:noFill/>
+        </p:spPr>
+        <p:txBody>
+          <a:bodyPr wrap="square">
+            <a:spAutoFit/>
+          </a:bodyPr>
+          <a:lstStyle/>
+          <a:p>
+            <a:pPr algn="just"/>
+            <a:r>
+              <a:rPr lang="vi-VN">
+                <a:solidFill>
+                  <a:schemeClr val="bg1"/>
+                </a:solidFill>
+                <a:latin typeface="Roboto" panose="02000000000000000000" pitchFamily="2" charset="0"/>
+                <a:ea typeface="Roboto" panose="02000000000000000000" pitchFamily="2" charset="0"/>
+              </a:rPr>
+              <a:t>Amazon EC2 cung cấp các ứng dụng máy tính ảo hoá có thể mở rộng về khả năng xử lý cùng các thành phần phần cứng ảo như bộ nhớ máy tính (ram), vi xử lý</a:t>
+            </a:r>
+            <a:r>
+              <a:rPr lang="en-US">
+                <a:solidFill>
+                  <a:schemeClr val="bg1"/>
+                </a:solidFill>
+                <a:latin typeface="Roboto" panose="02000000000000000000" pitchFamily="2" charset="0"/>
+                <a:ea typeface="Roboto" panose="02000000000000000000" pitchFamily="2" charset="0"/>
+              </a:rPr>
+              <a:t>.</a:t>
+            </a:r>
+            <a:endParaRPr lang="vi-VN">
+              <a:solidFill>
+                <a:schemeClr val="bg1"/>
+              </a:solidFill>
+              <a:latin typeface="Roboto" panose="02000000000000000000" pitchFamily="2" charset="0"/>
+              <a:ea typeface="Roboto" panose="02000000000000000000" pitchFamily="2" charset="0"/>
+            </a:endParaRPr>
+          </a:p>
+        </p:txBody>
+      </p:sp>
+      <p:sp>
+        <p:nvSpPr>
+          <p:cNvPr id="14" name="TextBox 13">
+            <a:extLst>
+              <a:ext uri="{FF2B5EF4-FFF2-40B4-BE49-F238E27FC236}">
+                <a16:creationId xmlns:a16="http://schemas.microsoft.com/office/drawing/2014/main" id="{A60B094C-B833-42B6-AB77-E96C47BE706F}"/>
+              </a:ext>
+            </a:extLst>
+          </p:cNvPr>
+          <p:cNvSpPr txBox="1"/>
+          <p:nvPr/>
+        </p:nvSpPr>
+        <p:spPr>
+          <a:xfrm>
+            <a:off x="1828800" y="5248870"/>
+            <a:ext cx="7239000" cy="923330"/>
+          </a:xfrm>
+          <a:prstGeom prst="rect">
+            <a:avLst/>
+          </a:prstGeom>
+          <a:noFill/>
+        </p:spPr>
+        <p:txBody>
+          <a:bodyPr wrap="square">
+            <a:spAutoFit/>
+          </a:bodyPr>
+          <a:lstStyle/>
+          <a:p>
+            <a:pPr algn="just"/>
+            <a:r>
+              <a:rPr lang="vi-VN">
+                <a:solidFill>
+                  <a:schemeClr val="bg1"/>
+                </a:solidFill>
+                <a:latin typeface="Roboto" panose="02000000000000000000" pitchFamily="2" charset="0"/>
+                <a:ea typeface="Roboto" panose="02000000000000000000" pitchFamily="2" charset="0"/>
+              </a:rPr>
+              <a:t>Amazon EC2 cung cấp một hoặc máy chủ ảo có thể kết hợp với nhau để dễ dàng triển khai ứng dụng nhanh nhất và đảm bảo tính sẵn sàng cao nhất.</a:t>
+            </a:r>
+            <a:endParaRPr lang="en-US">
+              <a:solidFill>
+                <a:schemeClr val="bg1"/>
+              </a:solidFill>
+              <a:latin typeface="Roboto" panose="02000000000000000000" pitchFamily="2" charset="0"/>
+              <a:ea typeface="Roboto" panose="02000000000000000000" pitchFamily="2" charset="0"/>
+            </a:endParaRPr>
+          </a:p>
+        </p:txBody>
+      </p:sp>
+      <p:sp>
+        <p:nvSpPr>
+          <p:cNvPr id="15" name="Rectangle 1">
+            <a:extLst>
+              <a:ext uri="{FF2B5EF4-FFF2-40B4-BE49-F238E27FC236}">
+                <a16:creationId xmlns:a16="http://schemas.microsoft.com/office/drawing/2014/main" id="{82A2FCDC-8263-4603-9F8B-D2735B2BD0F8}"/>
+              </a:ext>
+            </a:extLst>
+          </p:cNvPr>
           <p:cNvSpPr>
             <a:spLocks noGrp="1"/>
           </p:cNvSpPr>
@@ -4598,43 +4712,523 @@
             <p:ph type="title"/>
           </p:nvPr>
         </p:nvSpPr>
-        <p:spPr/>
+        <p:spPr>
+          <a:xfrm>
+            <a:off x="466725" y="381198"/>
+            <a:ext cx="3343275" cy="675926"/>
+          </a:xfrm>
+        </p:spPr>
         <p:txBody>
           <a:bodyPr/>
           <a:lstStyle/>
           <a:p>
             <a:r>
-              <a:rPr lang="en-US" dirty="0" err="1"/>
-              <a:t>Tiến</a:t>
-            </a:r>
-            <a:r>
-              <a:rPr lang="en-US" dirty="0"/>
-              <a:t> </a:t>
-            </a:r>
-            <a:r>
-              <a:rPr lang="en-US" dirty="0" err="1"/>
-              <a:t>độ</a:t>
-            </a:r>
-            <a:r>
-              <a:rPr lang="en-US" dirty="0"/>
-              <a:t> </a:t>
-            </a:r>
-            <a:r>
-              <a:rPr lang="en-US" dirty="0" err="1"/>
-              <a:t>thực</a:t>
-            </a:r>
-            <a:r>
-              <a:rPr lang="en-US" dirty="0"/>
-              <a:t> </a:t>
-            </a:r>
-            <a:r>
-              <a:rPr lang="en-US" dirty="0" err="1"/>
-              <a:t>hiện</a:t>
-            </a:r>
-            <a:endParaRPr lang="en-US" dirty="0"/>
+              <a:rPr lang="en-US">
+                <a:latin typeface="Roboto" panose="02000000000000000000" pitchFamily="2" charset="0"/>
+                <a:ea typeface="Roboto" panose="02000000000000000000" pitchFamily="2" charset="0"/>
+              </a:rPr>
+              <a:t>Amazon EC2</a:t>
+            </a:r>
+            <a:endParaRPr lang="en-US" dirty="0">
+              <a:latin typeface="Roboto" panose="02000000000000000000" pitchFamily="2" charset="0"/>
+              <a:ea typeface="Roboto" panose="02000000000000000000" pitchFamily="2" charset="0"/>
+            </a:endParaRPr>
           </a:p>
         </p:txBody>
       </p:sp>
+    </p:spTree>
+    <p:extLst>
+      <p:ext uri="{BB962C8B-B14F-4D97-AF65-F5344CB8AC3E}">
+        <p14:creationId xmlns:p14="http://schemas.microsoft.com/office/powerpoint/2010/main" val="3321699547"/>
+      </p:ext>
+    </p:extLst>
+  </p:cSld>
+  <p:clrMapOvr>
+    <a:masterClrMapping/>
+  </p:clrMapOvr>
+</p:sld>
+</file>
+
+<file path=ppt/slides/slide4.xml><?xml version="1.0" encoding="utf-8"?>
+<p:sld xmlns:a="http://schemas.openxmlformats.org/drawingml/2006/main" xmlns:r="http://schemas.openxmlformats.org/officeDocument/2006/relationships" xmlns:p="http://schemas.openxmlformats.org/presentationml/2006/main">
+  <p:cSld>
+    <p:spTree>
+      <p:nvGrpSpPr>
+        <p:cNvPr id="1" name=""/>
+        <p:cNvGrpSpPr/>
+        <p:nvPr/>
+      </p:nvGrpSpPr>
+      <p:grpSpPr>
+        <a:xfrm>
+          <a:off x="0" y="0"/>
+          <a:ext cx="0" cy="0"/>
+          <a:chOff x="0" y="0"/>
+          <a:chExt cx="0" cy="0"/>
+        </a:xfrm>
+      </p:grpSpPr>
+      <p:pic>
+        <p:nvPicPr>
+          <p:cNvPr id="4" name="Picture 3">
+            <a:extLst>
+              <a:ext uri="{FF2B5EF4-FFF2-40B4-BE49-F238E27FC236}">
+                <a16:creationId xmlns:a16="http://schemas.microsoft.com/office/drawing/2014/main" id="{C524F7E4-B4C0-42EB-BDD3-8572DCB07955}"/>
+              </a:ext>
+            </a:extLst>
+          </p:cNvPr>
+          <p:cNvPicPr>
+            <a:picLocks noChangeAspect="1"/>
+          </p:cNvPicPr>
+          <p:nvPr/>
+        </p:nvPicPr>
+        <p:blipFill>
+          <a:blip r:embed="rId2"/>
+          <a:stretch>
+            <a:fillRect/>
+          </a:stretch>
+        </p:blipFill>
+        <p:spPr>
+          <a:xfrm>
+            <a:off x="214312" y="1122438"/>
+            <a:ext cx="1695450" cy="1398476"/>
+          </a:xfrm>
+          <a:prstGeom prst="rect">
+            <a:avLst/>
+          </a:prstGeom>
+        </p:spPr>
+      </p:pic>
+      <p:sp>
+        <p:nvSpPr>
+          <p:cNvPr id="6" name="TextBox 5">
+            <a:extLst>
+              <a:ext uri="{FF2B5EF4-FFF2-40B4-BE49-F238E27FC236}">
+                <a16:creationId xmlns:a16="http://schemas.microsoft.com/office/drawing/2014/main" id="{1F2257B7-72A0-49F2-BD59-9D6F10602EEF}"/>
+              </a:ext>
+            </a:extLst>
+          </p:cNvPr>
+          <p:cNvSpPr txBox="1"/>
+          <p:nvPr/>
+        </p:nvSpPr>
+        <p:spPr>
+          <a:xfrm>
+            <a:off x="2503714" y="2256472"/>
+            <a:ext cx="6629400" cy="1477328"/>
+          </a:xfrm>
+          <a:prstGeom prst="rect">
+            <a:avLst/>
+          </a:prstGeom>
+          <a:noFill/>
+        </p:spPr>
+        <p:txBody>
+          <a:bodyPr wrap="square">
+            <a:spAutoFit/>
+          </a:bodyPr>
+          <a:lstStyle/>
+          <a:p>
+            <a:pPr algn="just"/>
+            <a:r>
+              <a:rPr lang="en-US" sz="1800" b="1" i="1">
+                <a:solidFill>
+                  <a:srgbClr val="000000"/>
+                </a:solidFill>
+                <a:effectLst>
+                  <a:outerShdw blurRad="38100" dist="38100" dir="2700000" algn="tl">
+                    <a:srgbClr val="000000">
+                      <a:alpha val="43137"/>
+                    </a:srgbClr>
+                  </a:outerShdw>
+                </a:effectLst>
+                <a:latin typeface="Roboto" panose="02000000000000000000" pitchFamily="2" charset="0"/>
+                <a:ea typeface="Roboto" panose="02000000000000000000" pitchFamily="2" charset="0"/>
+              </a:rPr>
+              <a:t>Elastic Load Balancing </a:t>
+            </a:r>
+            <a:r>
+              <a:rPr lang="en-US" sz="1800">
+                <a:solidFill>
+                  <a:srgbClr val="000000"/>
+                </a:solidFill>
+                <a:effectLst/>
+                <a:latin typeface="Roboto" panose="02000000000000000000" pitchFamily="2" charset="0"/>
+                <a:ea typeface="Roboto" panose="02000000000000000000" pitchFamily="2" charset="0"/>
+              </a:rPr>
+              <a:t>tự động phân phối lưu lượng truy cập ứng dụng đến nhiều mục tiêu, chẳng hạn như instance của Amazon EC2, các vùng lưu trữ và địa chỉ IP. Nó có thể xử lý tải khác nhau của lưu lượng truy cập ứng dụng trong một Availability Zones duy nhất hoặc qua nhiều Availability Zones. </a:t>
+            </a:r>
+            <a:endParaRPr lang="en-US">
+              <a:latin typeface="Roboto" panose="02000000000000000000" pitchFamily="2" charset="0"/>
+              <a:ea typeface="Roboto" panose="02000000000000000000" pitchFamily="2" charset="0"/>
+            </a:endParaRPr>
+          </a:p>
+        </p:txBody>
+      </p:sp>
+      <p:pic>
+        <p:nvPicPr>
+          <p:cNvPr id="8" name="Picture 7">
+            <a:extLst>
+              <a:ext uri="{FF2B5EF4-FFF2-40B4-BE49-F238E27FC236}">
+                <a16:creationId xmlns:a16="http://schemas.microsoft.com/office/drawing/2014/main" id="{FE275195-1AE5-412D-83ED-1CD75690EB3B}"/>
+              </a:ext>
+            </a:extLst>
+          </p:cNvPr>
+          <p:cNvPicPr>
+            <a:picLocks noChangeAspect="1"/>
+          </p:cNvPicPr>
+          <p:nvPr/>
+        </p:nvPicPr>
+        <p:blipFill>
+          <a:blip r:embed="rId3"/>
+          <a:stretch>
+            <a:fillRect/>
+          </a:stretch>
+        </p:blipFill>
+        <p:spPr>
+          <a:xfrm>
+            <a:off x="76200" y="3876539"/>
+            <a:ext cx="5791200" cy="2905261"/>
+          </a:xfrm>
+          <a:prstGeom prst="rect">
+            <a:avLst/>
+          </a:prstGeom>
+        </p:spPr>
+      </p:pic>
+      <p:sp>
+        <p:nvSpPr>
+          <p:cNvPr id="9" name="Rectangle 1">
+            <a:extLst>
+              <a:ext uri="{FF2B5EF4-FFF2-40B4-BE49-F238E27FC236}">
+                <a16:creationId xmlns:a16="http://schemas.microsoft.com/office/drawing/2014/main" id="{05AA201F-D78F-4C1C-AFF8-B06E75E8A2A5}"/>
+              </a:ext>
+            </a:extLst>
+          </p:cNvPr>
+          <p:cNvSpPr>
+            <a:spLocks noGrp="1"/>
+          </p:cNvSpPr>
+          <p:nvPr>
+            <p:ph type="title"/>
+          </p:nvPr>
+        </p:nvSpPr>
+        <p:spPr>
+          <a:xfrm>
+            <a:off x="466725" y="381198"/>
+            <a:ext cx="5400675" cy="675926"/>
+          </a:xfrm>
+        </p:spPr>
+        <p:txBody>
+          <a:bodyPr/>
+          <a:lstStyle/>
+          <a:p>
+            <a:r>
+              <a:rPr lang="en-US">
+                <a:latin typeface="Roboto" panose="02000000000000000000" pitchFamily="2" charset="0"/>
+                <a:ea typeface="Roboto" panose="02000000000000000000" pitchFamily="2" charset="0"/>
+              </a:rPr>
+              <a:t>Elastic Load Balancer</a:t>
+            </a:r>
+            <a:endParaRPr lang="en-US" dirty="0">
+              <a:latin typeface="Roboto" panose="02000000000000000000" pitchFamily="2" charset="0"/>
+              <a:ea typeface="Roboto" panose="02000000000000000000" pitchFamily="2" charset="0"/>
+            </a:endParaRPr>
+          </a:p>
+        </p:txBody>
+      </p:sp>
+    </p:spTree>
+    <p:extLst>
+      <p:ext uri="{BB962C8B-B14F-4D97-AF65-F5344CB8AC3E}">
+        <p14:creationId xmlns:p14="http://schemas.microsoft.com/office/powerpoint/2010/main" val="1878478403"/>
+      </p:ext>
+    </p:extLst>
+  </p:cSld>
+  <p:clrMapOvr>
+    <a:masterClrMapping/>
+  </p:clrMapOvr>
+</p:sld>
+</file>
+
+<file path=ppt/slides/slide5.xml><?xml version="1.0" encoding="utf-8"?>
+<p:sld xmlns:a="http://schemas.openxmlformats.org/drawingml/2006/main" xmlns:r="http://schemas.openxmlformats.org/officeDocument/2006/relationships" xmlns:p="http://schemas.openxmlformats.org/presentationml/2006/main">
+  <p:cSld>
+    <p:spTree>
+      <p:nvGrpSpPr>
+        <p:cNvPr id="1" name=""/>
+        <p:cNvGrpSpPr/>
+        <p:nvPr/>
+      </p:nvGrpSpPr>
+      <p:grpSpPr>
+        <a:xfrm>
+          <a:off x="0" y="0"/>
+          <a:ext cx="0" cy="0"/>
+          <a:chOff x="0" y="0"/>
+          <a:chExt cx="0" cy="0"/>
+        </a:xfrm>
+      </p:grpSpPr>
+      <p:sp>
+        <p:nvSpPr>
+          <p:cNvPr id="4" name="Rectangle 1">
+            <a:extLst>
+              <a:ext uri="{FF2B5EF4-FFF2-40B4-BE49-F238E27FC236}">
+                <a16:creationId xmlns:a16="http://schemas.microsoft.com/office/drawing/2014/main" id="{4162F059-7332-47FC-9EB7-04658A93C32D}"/>
+              </a:ext>
+            </a:extLst>
+          </p:cNvPr>
+          <p:cNvSpPr>
+            <a:spLocks noGrp="1"/>
+          </p:cNvSpPr>
+          <p:nvPr>
+            <p:ph type="title"/>
+          </p:nvPr>
+        </p:nvSpPr>
+        <p:spPr>
+          <a:xfrm>
+            <a:off x="466725" y="381198"/>
+            <a:ext cx="4638675" cy="675926"/>
+          </a:xfrm>
+        </p:spPr>
+        <p:txBody>
+          <a:bodyPr/>
+          <a:lstStyle/>
+          <a:p>
+            <a:r>
+              <a:rPr lang="en-US">
+                <a:latin typeface="Roboto" panose="02000000000000000000" pitchFamily="2" charset="0"/>
+                <a:ea typeface="Roboto" panose="02000000000000000000" pitchFamily="2" charset="0"/>
+              </a:rPr>
+              <a:t>Auto Scaling Group</a:t>
+            </a:r>
+            <a:endParaRPr lang="en-US" dirty="0">
+              <a:latin typeface="Roboto" panose="02000000000000000000" pitchFamily="2" charset="0"/>
+              <a:ea typeface="Roboto" panose="02000000000000000000" pitchFamily="2" charset="0"/>
+            </a:endParaRPr>
+          </a:p>
+        </p:txBody>
+      </p:sp>
+      <p:sp>
+        <p:nvSpPr>
+          <p:cNvPr id="12" name="TextBox 11">
+            <a:extLst>
+              <a:ext uri="{FF2B5EF4-FFF2-40B4-BE49-F238E27FC236}">
+                <a16:creationId xmlns:a16="http://schemas.microsoft.com/office/drawing/2014/main" id="{20A50FE2-003C-4CA3-ABC2-3D661624DF63}"/>
+              </a:ext>
+            </a:extLst>
+          </p:cNvPr>
+          <p:cNvSpPr txBox="1"/>
+          <p:nvPr/>
+        </p:nvSpPr>
+        <p:spPr>
+          <a:xfrm>
+            <a:off x="3387634" y="1371600"/>
+            <a:ext cx="5715000" cy="923330"/>
+          </a:xfrm>
+          <a:prstGeom prst="rect">
+            <a:avLst/>
+          </a:prstGeom>
+          <a:noFill/>
+        </p:spPr>
+        <p:txBody>
+          <a:bodyPr wrap="square">
+            <a:spAutoFit/>
+          </a:bodyPr>
+          <a:lstStyle/>
+          <a:p>
+            <a:pPr algn="just"/>
+            <a:r>
+              <a:rPr lang="vi-VN">
+                <a:solidFill>
+                  <a:schemeClr val="bg1"/>
+                </a:solidFill>
+                <a:latin typeface="Roboto" panose="02000000000000000000" pitchFamily="2" charset="0"/>
+                <a:ea typeface="Roboto" panose="02000000000000000000" pitchFamily="2" charset="0"/>
+              </a:rPr>
+              <a:t>AWS Auto Scaling là tính năng tự động nhân rộng để đảm bảo rằng các phiên bản Amazon EC2 đủ để chạy các ứng dụng. </a:t>
+            </a:r>
+            <a:endParaRPr lang="en-US">
+              <a:solidFill>
+                <a:schemeClr val="bg1"/>
+              </a:solidFill>
+              <a:latin typeface="Roboto" panose="02000000000000000000" pitchFamily="2" charset="0"/>
+              <a:ea typeface="Roboto" panose="02000000000000000000" pitchFamily="2" charset="0"/>
+            </a:endParaRPr>
+          </a:p>
+        </p:txBody>
+      </p:sp>
+      <p:sp>
+        <p:nvSpPr>
+          <p:cNvPr id="14" name="TextBox 13">
+            <a:extLst>
+              <a:ext uri="{FF2B5EF4-FFF2-40B4-BE49-F238E27FC236}">
+                <a16:creationId xmlns:a16="http://schemas.microsoft.com/office/drawing/2014/main" id="{6ABCDFCE-DE44-45EF-8A3A-7CE00D7C1339}"/>
+              </a:ext>
+            </a:extLst>
+          </p:cNvPr>
+          <p:cNvSpPr txBox="1"/>
+          <p:nvPr/>
+        </p:nvSpPr>
+        <p:spPr>
+          <a:xfrm>
+            <a:off x="3387634" y="2286000"/>
+            <a:ext cx="5715000" cy="1200329"/>
+          </a:xfrm>
+          <a:prstGeom prst="rect">
+            <a:avLst/>
+          </a:prstGeom>
+          <a:noFill/>
+        </p:spPr>
+        <p:txBody>
+          <a:bodyPr wrap="square">
+            <a:spAutoFit/>
+          </a:bodyPr>
+          <a:lstStyle/>
+          <a:p>
+            <a:pPr algn="just"/>
+            <a:r>
+              <a:rPr lang="en-US">
+                <a:solidFill>
+                  <a:schemeClr val="bg1"/>
+                </a:solidFill>
+                <a:latin typeface="Roboto" panose="02000000000000000000" pitchFamily="2" charset="0"/>
+                <a:ea typeface="Roboto" panose="02000000000000000000" pitchFamily="2" charset="0"/>
+              </a:rPr>
+              <a:t>C</a:t>
+            </a:r>
+            <a:r>
+              <a:rPr lang="vi-VN">
+                <a:solidFill>
+                  <a:schemeClr val="bg1"/>
+                </a:solidFill>
+                <a:latin typeface="Roboto" panose="02000000000000000000" pitchFamily="2" charset="0"/>
+                <a:ea typeface="Roboto" panose="02000000000000000000" pitchFamily="2" charset="0"/>
+              </a:rPr>
+              <a:t>ó thể tạo một nhóm AWS Auto Scaling trong các phiên bản EC2</a:t>
+            </a:r>
+            <a:r>
+              <a:rPr lang="en-US">
+                <a:solidFill>
+                  <a:schemeClr val="bg1"/>
+                </a:solidFill>
+                <a:latin typeface="Roboto" panose="02000000000000000000" pitchFamily="2" charset="0"/>
+                <a:ea typeface="Roboto" panose="02000000000000000000" pitchFamily="2" charset="0"/>
+              </a:rPr>
+              <a:t>, </a:t>
+            </a:r>
+            <a:r>
+              <a:rPr lang="vi-VN">
+                <a:solidFill>
+                  <a:schemeClr val="bg1"/>
+                </a:solidFill>
+                <a:latin typeface="Roboto" panose="02000000000000000000" pitchFamily="2" charset="0"/>
+                <a:ea typeface="Roboto" panose="02000000000000000000" pitchFamily="2" charset="0"/>
+              </a:rPr>
+              <a:t>chỉ định số lượng phiên bản EC2 tối thiểu trong nhóm đó và tự động mở rộng sẽ duy trì và đảm bảo số lượng phiên bản EC2 tối thiểu.</a:t>
+            </a:r>
+            <a:endParaRPr lang="en-US"/>
+          </a:p>
+        </p:txBody>
+      </p:sp>
+      <p:pic>
+        <p:nvPicPr>
+          <p:cNvPr id="1026" name="Picture 2" descr="AWS Auto Scaling là gì?">
+            <a:extLst>
+              <a:ext uri="{FF2B5EF4-FFF2-40B4-BE49-F238E27FC236}">
+                <a16:creationId xmlns:a16="http://schemas.microsoft.com/office/drawing/2014/main" id="{5BD65F5B-0441-410E-A3C2-BFB495867A1B}"/>
+              </a:ext>
+            </a:extLst>
+          </p:cNvPr>
+          <p:cNvPicPr>
+            <a:picLocks noChangeAspect="1" noChangeArrowheads="1"/>
+          </p:cNvPicPr>
+          <p:nvPr/>
+        </p:nvPicPr>
+        <p:blipFill>
+          <a:blip r:embed="rId2">
+            <a:extLst>
+              <a:ext uri="{28A0092B-C50C-407E-A947-70E740481C1C}">
+                <a14:useLocalDpi xmlns:a14="http://schemas.microsoft.com/office/drawing/2010/main" val="0"/>
+              </a:ext>
+            </a:extLst>
+          </a:blip>
+          <a:srcRect/>
+          <a:stretch>
+            <a:fillRect/>
+          </a:stretch>
+        </p:blipFill>
+        <p:spPr bwMode="auto">
+          <a:xfrm>
+            <a:off x="0" y="3425489"/>
+            <a:ext cx="4781550" cy="3408562"/>
+          </a:xfrm>
+          <a:prstGeom prst="rect">
+            <a:avLst/>
+          </a:prstGeom>
+          <a:noFill/>
+          <a:extLst>
+            <a:ext uri="{909E8E84-426E-40DD-AFC4-6F175D3DCCD1}">
+              <a14:hiddenFill xmlns:a14="http://schemas.microsoft.com/office/drawing/2010/main">
+                <a:solidFill>
+                  <a:srgbClr val="FFFFFF"/>
+                </a:solidFill>
+              </a14:hiddenFill>
+            </a:ext>
+          </a:extLst>
+        </p:spPr>
+      </p:pic>
+      <p:pic>
+        <p:nvPicPr>
+          <p:cNvPr id="16" name="Picture 15">
+            <a:extLst>
+              <a:ext uri="{FF2B5EF4-FFF2-40B4-BE49-F238E27FC236}">
+                <a16:creationId xmlns:a16="http://schemas.microsoft.com/office/drawing/2014/main" id="{F2D3242A-C79B-466A-BF5C-83462DD26442}"/>
+              </a:ext>
+            </a:extLst>
+          </p:cNvPr>
+          <p:cNvPicPr>
+            <a:picLocks noChangeAspect="1"/>
+          </p:cNvPicPr>
+          <p:nvPr/>
+        </p:nvPicPr>
+        <p:blipFill>
+          <a:blip r:embed="rId3"/>
+          <a:stretch>
+            <a:fillRect/>
+          </a:stretch>
+        </p:blipFill>
+        <p:spPr>
+          <a:xfrm>
+            <a:off x="410785" y="1018037"/>
+            <a:ext cx="1283032" cy="1276893"/>
+          </a:xfrm>
+          <a:prstGeom prst="rect">
+            <a:avLst/>
+          </a:prstGeom>
+        </p:spPr>
+      </p:pic>
+    </p:spTree>
+    <p:extLst>
+      <p:ext uri="{BB962C8B-B14F-4D97-AF65-F5344CB8AC3E}">
+        <p14:creationId xmlns:p14="http://schemas.microsoft.com/office/powerpoint/2010/main" val="2092148845"/>
+      </p:ext>
+    </p:extLst>
+  </p:cSld>
+  <p:clrMapOvr>
+    <a:masterClrMapping/>
+  </p:clrMapOvr>
+</p:sld>
+</file>
+
+<file path=ppt/slides/slide6.xml><?xml version="1.0" encoding="utf-8"?>
+<p:sld xmlns:a="http://schemas.openxmlformats.org/drawingml/2006/main" xmlns:r="http://schemas.openxmlformats.org/officeDocument/2006/relationships" xmlns:p="http://schemas.openxmlformats.org/presentationml/2006/main">
+  <p:cSld>
+    <p:spTree>
+      <p:nvGrpSpPr>
+        <p:cNvPr id="1" name=""/>
+        <p:cNvGrpSpPr/>
+        <p:nvPr/>
+      </p:nvGrpSpPr>
+      <p:grpSpPr>
+        <a:xfrm>
+          <a:off x="0" y="0"/>
+          <a:ext cx="0" cy="0"/>
+          <a:chOff x="0" y="0"/>
+          <a:chExt cx="0" cy="0"/>
+        </a:xfrm>
+      </p:grpSpPr>
       <p:sp>
         <p:nvSpPr>
           <p:cNvPr id="5" name="Slide Number Placeholder 5">
@@ -4659,86 +5253,8 @@
             <a:fld id="{FEA1243F-3000-4347-94A4-FBDEAD3122CB}" type="slidenum">
               <a:rPr lang="en-US" smtClean="0"/>
               <a:pPr/>
-              <a:t>3</a:t>
+              <a:t>6</a:t>
             </a:fld>
-            <a:endParaRPr lang="en-US" dirty="0"/>
-          </a:p>
-        </p:txBody>
-      </p:sp>
-      <p:sp>
-        <p:nvSpPr>
-          <p:cNvPr id="6" name="Rectangle: Rounded Corners 5">
-            <a:extLst>
-              <a:ext uri="{FF2B5EF4-FFF2-40B4-BE49-F238E27FC236}">
-                <a16:creationId xmlns:a16="http://schemas.microsoft.com/office/drawing/2014/main" id="{CC8E440A-7527-4FF8-BAA9-6C3636680150}"/>
-              </a:ext>
-            </a:extLst>
-          </p:cNvPr>
-          <p:cNvSpPr/>
-          <p:nvPr/>
-        </p:nvSpPr>
-        <p:spPr>
-          <a:xfrm>
-            <a:off x="466725" y="1371600"/>
-            <a:ext cx="2505076" cy="304800"/>
-          </a:xfrm>
-          <a:prstGeom prst="roundRect">
-            <a:avLst/>
-          </a:prstGeom>
-        </p:spPr>
-        <p:style>
-          <a:lnRef idx="2">
-            <a:schemeClr val="accent1">
-              <a:shade val="50000"/>
-            </a:schemeClr>
-          </a:lnRef>
-          <a:fillRef idx="1">
-            <a:schemeClr val="accent1"/>
-          </a:fillRef>
-          <a:effectRef idx="0">
-            <a:schemeClr val="accent1"/>
-          </a:effectRef>
-          <a:fontRef idx="minor">
-            <a:schemeClr val="lt1"/>
-          </a:fontRef>
-        </p:style>
-        <p:txBody>
-          <a:bodyPr rtlCol="0" anchor="ctr"/>
-          <a:lstStyle/>
-          <a:p>
-            <a:pPr algn="ctr"/>
-            <a:r>
-              <a:rPr lang="en-US" dirty="0"/>
-              <a:t>2. </a:t>
-            </a:r>
-            <a:r>
-              <a:rPr lang="en-US" dirty="0" err="1"/>
-              <a:t>Mô</a:t>
-            </a:r>
-            <a:r>
-              <a:rPr lang="en-US" dirty="0"/>
-              <a:t> </a:t>
-            </a:r>
-            <a:r>
-              <a:rPr lang="en-US" dirty="0" err="1"/>
-              <a:t>hình</a:t>
-            </a:r>
-            <a:r>
-              <a:rPr lang="en-US" dirty="0"/>
-              <a:t> </a:t>
-            </a:r>
-            <a:r>
-              <a:rPr lang="en-US" dirty="0" err="1"/>
-              <a:t>cài</a:t>
-            </a:r>
-            <a:r>
-              <a:rPr lang="en-US" dirty="0"/>
-              <a:t> </a:t>
-            </a:r>
-            <a:r>
-              <a:rPr lang="en-US" dirty="0" err="1"/>
-              <a:t>đặt</a:t>
-            </a:r>
             <a:endParaRPr lang="en-US" dirty="0"/>
           </a:p>
         </p:txBody>
@@ -4773,6 +5289,34 @@
           </a:prstGeom>
         </p:spPr>
       </p:pic>
+      <p:sp>
+        <p:nvSpPr>
+          <p:cNvPr id="4" name="Title 3">
+            <a:extLst>
+              <a:ext uri="{FF2B5EF4-FFF2-40B4-BE49-F238E27FC236}">
+                <a16:creationId xmlns:a16="http://schemas.microsoft.com/office/drawing/2014/main" id="{7BFE50BA-C585-4CF5-B49D-858A320DD374}"/>
+              </a:ext>
+            </a:extLst>
+          </p:cNvPr>
+          <p:cNvSpPr>
+            <a:spLocks noGrp="1"/>
+          </p:cNvSpPr>
+          <p:nvPr>
+            <p:ph type="title"/>
+          </p:nvPr>
+        </p:nvSpPr>
+        <p:spPr/>
+        <p:txBody>
+          <a:bodyPr/>
+          <a:lstStyle/>
+          <a:p>
+            <a:r>
+              <a:rPr lang="en-US"/>
+              <a:t>Mô hình cài đặt</a:t>
+            </a:r>
+          </a:p>
+        </p:txBody>
+      </p:sp>
     </p:spTree>
     <p:extLst>
       <p:ext uri="{BB962C8B-B14F-4D97-AF65-F5344CB8AC3E}">
@@ -4798,7 +5342,7 @@
 </p:sld>
 </file>
 
-<file path=ppt/slides/slide4.xml><?xml version="1.0" encoding="utf-8"?>
+<file path=ppt/slides/slide7.xml><?xml version="1.0" encoding="utf-8"?>
 <p:sld xmlns:a="http://schemas.openxmlformats.org/drawingml/2006/main" xmlns:r="http://schemas.openxmlformats.org/officeDocument/2006/relationships" xmlns:p="http://schemas.openxmlformats.org/presentationml/2006/main">
   <p:cSld>
     <p:spTree>
@@ -4817,53 +5361,6 @@
       </p:grpSpPr>
       <p:sp>
         <p:nvSpPr>
-          <p:cNvPr id="2" name="Rectangle 1"/>
-          <p:cNvSpPr>
-            <a:spLocks noGrp="1"/>
-          </p:cNvSpPr>
-          <p:nvPr>
-            <p:ph type="title"/>
-          </p:nvPr>
-        </p:nvSpPr>
-        <p:spPr/>
-        <p:txBody>
-          <a:bodyPr/>
-          <a:lstStyle/>
-          <a:p>
-            <a:r>
-              <a:rPr lang="en-US" dirty="0" err="1"/>
-              <a:t>Tiến</a:t>
-            </a:r>
-            <a:r>
-              <a:rPr lang="en-US" dirty="0"/>
-              <a:t> </a:t>
-            </a:r>
-            <a:r>
-              <a:rPr lang="en-US" dirty="0" err="1"/>
-              <a:t>độ</a:t>
-            </a:r>
-            <a:r>
-              <a:rPr lang="en-US" dirty="0"/>
-              <a:t> </a:t>
-            </a:r>
-            <a:r>
-              <a:rPr lang="en-US" dirty="0" err="1"/>
-              <a:t>thực</a:t>
-            </a:r>
-            <a:r>
-              <a:rPr lang="en-US" dirty="0"/>
-              <a:t> </a:t>
-            </a:r>
-            <a:r>
-              <a:rPr lang="en-US" dirty="0" err="1"/>
-              <a:t>hiện</a:t>
-            </a:r>
-            <a:endParaRPr lang="en-US" dirty="0"/>
-          </a:p>
-        </p:txBody>
-      </p:sp>
-      <p:sp>
-        <p:nvSpPr>
           <p:cNvPr id="5" name="Slide Number Placeholder 5">
             <a:extLst>
               <a:ext uri="{FF2B5EF4-FFF2-40B4-BE49-F238E27FC236}">
@@ -4886,158 +5383,7 @@
             <a:fld id="{FEA1243F-3000-4347-94A4-FBDEAD3122CB}" type="slidenum">
               <a:rPr lang="en-US" smtClean="0"/>
               <a:pPr/>
-              <a:t>4</a:t>
-            </a:fld>
-            <a:endParaRPr lang="en-US" dirty="0"/>
-          </a:p>
-        </p:txBody>
-      </p:sp>
-      <p:sp>
-        <p:nvSpPr>
-          <p:cNvPr id="6" name="Rectangle: Rounded Corners 5">
-            <a:extLst>
-              <a:ext uri="{FF2B5EF4-FFF2-40B4-BE49-F238E27FC236}">
-                <a16:creationId xmlns:a16="http://schemas.microsoft.com/office/drawing/2014/main" id="{CC8E440A-7527-4FF8-BAA9-6C3636680150}"/>
-              </a:ext>
-            </a:extLst>
-          </p:cNvPr>
-          <p:cNvSpPr/>
-          <p:nvPr/>
-        </p:nvSpPr>
-        <p:spPr>
-          <a:xfrm>
-            <a:off x="466725" y="1371600"/>
-            <a:ext cx="2505076" cy="304800"/>
-          </a:xfrm>
-          <a:prstGeom prst="roundRect">
-            <a:avLst/>
-          </a:prstGeom>
-        </p:spPr>
-        <p:style>
-          <a:lnRef idx="2">
-            <a:schemeClr val="accent1">
-              <a:shade val="50000"/>
-            </a:schemeClr>
-          </a:lnRef>
-          <a:fillRef idx="1">
-            <a:schemeClr val="accent1"/>
-          </a:fillRef>
-          <a:effectRef idx="0">
-            <a:schemeClr val="accent1"/>
-          </a:effectRef>
-          <a:fontRef idx="minor">
-            <a:schemeClr val="lt1"/>
-          </a:fontRef>
-        </p:style>
-        <p:txBody>
-          <a:bodyPr rtlCol="0" anchor="ctr"/>
-          <a:lstStyle/>
-          <a:p>
-            <a:pPr algn="ctr"/>
-            <a:r>
-              <a:rPr lang="en-US" dirty="0"/>
-              <a:t>3. Web</a:t>
-            </a:r>
-          </a:p>
-        </p:txBody>
-      </p:sp>
-      <p:pic>
-        <p:nvPicPr>
-          <p:cNvPr id="4" name="Picture 3">
-            <a:extLst>
-              <a:ext uri="{FF2B5EF4-FFF2-40B4-BE49-F238E27FC236}">
-                <a16:creationId xmlns:a16="http://schemas.microsoft.com/office/drawing/2014/main" id="{5E0C61EF-155F-4749-9E32-52DA45747888}"/>
-              </a:ext>
-            </a:extLst>
-          </p:cNvPr>
-          <p:cNvPicPr>
-            <a:picLocks noChangeAspect="1"/>
-          </p:cNvPicPr>
-          <p:nvPr/>
-        </p:nvPicPr>
-        <p:blipFill>
-          <a:blip r:embed="rId3"/>
-          <a:stretch>
-            <a:fillRect/>
-          </a:stretch>
-        </p:blipFill>
-        <p:spPr>
-          <a:xfrm>
-            <a:off x="0" y="1990876"/>
-            <a:ext cx="9144000" cy="4858159"/>
-          </a:xfrm>
-          <a:prstGeom prst="rect">
-            <a:avLst/>
-          </a:prstGeom>
-        </p:spPr>
-      </p:pic>
-    </p:spTree>
-    <p:extLst>
-      <p:ext uri="{BB962C8B-B14F-4D97-AF65-F5344CB8AC3E}">
-        <p14:creationId xmlns:p14="http://schemas.microsoft.com/office/powerpoint/2010/main" val="588360142"/>
-      </p:ext>
-    </p:extLst>
-  </p:cSld>
-  <p:clrMapOvr>
-    <a:masterClrMapping/>
-  </p:clrMapOvr>
-  <mc:AlternateContent xmlns:mc="http://schemas.openxmlformats.org/markup-compatibility/2006" xmlns:p159="http://schemas.microsoft.com/office/powerpoint/2015/09/main">
-    <mc:Choice Requires="p159">
-      <p:transition xmlns:p14="http://schemas.microsoft.com/office/powerpoint/2010/main" spd="slow" p14:dur="2000">
-        <p159:morph option="byObject"/>
-      </p:transition>
-    </mc:Choice>
-    <mc:Fallback xmlns="">
-      <p:transition spd="slow">
-        <p:fade/>
-      </p:transition>
-    </mc:Fallback>
-  </mc:AlternateContent>
-</p:sld>
-</file>
-
-<file path=ppt/slides/slide5.xml><?xml version="1.0" encoding="utf-8"?>
-<p:sld xmlns:a="http://schemas.openxmlformats.org/drawingml/2006/main" xmlns:r="http://schemas.openxmlformats.org/officeDocument/2006/relationships" xmlns:p="http://schemas.openxmlformats.org/presentationml/2006/main">
-  <p:cSld>
-    <p:spTree>
-      <p:nvGrpSpPr>
-        <p:cNvPr id="1" name=""/>
-        <p:cNvGrpSpPr/>
-        <p:nvPr/>
-      </p:nvGrpSpPr>
-      <p:grpSpPr>
-        <a:xfrm>
-          <a:off x="0" y="0"/>
-          <a:ext cx="0" cy="0"/>
-          <a:chOff x="0" y="0"/>
-          <a:chExt cx="0" cy="0"/>
-        </a:xfrm>
-      </p:grpSpPr>
-      <p:sp>
-        <p:nvSpPr>
-          <p:cNvPr id="5" name="Slide Number Placeholder 5">
-            <a:extLst>
-              <a:ext uri="{FF2B5EF4-FFF2-40B4-BE49-F238E27FC236}">
-                <a16:creationId xmlns:a16="http://schemas.microsoft.com/office/drawing/2014/main" id="{63114880-DADC-4F85-86A5-B5EC46980DB7}"/>
-              </a:ext>
-            </a:extLst>
-          </p:cNvPr>
-          <p:cNvSpPr>
-            <a:spLocks noGrp="1"/>
-          </p:cNvSpPr>
-          <p:nvPr>
-            <p:ph type="sldNum" sz="quarter" idx="11"/>
-          </p:nvPr>
-        </p:nvSpPr>
-        <p:spPr/>
-        <p:txBody>
-          <a:bodyPr/>
-          <a:lstStyle/>
-          <a:p>
-            <a:fld id="{FEA1243F-3000-4347-94A4-FBDEAD3122CB}" type="slidenum">
-              <a:rPr lang="en-US" smtClean="0"/>
-              <a:pPr/>
-              <a:t>5</a:t>
+              <a:t>7</a:t>
             </a:fld>
             <a:endParaRPr lang="en-US" dirty="0"/>
           </a:p>
@@ -5908,6 +6254,23 @@
 </file>
 
 <file path=customXml/item1.xml><?xml version="1.0" encoding="utf-8"?>
+<?mso-contentType ?>
+<FormTemplates xmlns="http://schemas.microsoft.com/sharepoint/v3/contenttype/forms">
+  <Display>DocumentLibraryForm</Display>
+  <Edit>DocumentLibraryForm</Edit>
+  <New>DocumentLibraryForm</New>
+</FormTemplates>
+</file>
+
+<file path=customXml/item2.xml><?xml version="1.0" encoding="utf-8"?>
+<p:properties xmlns:p="http://schemas.microsoft.com/office/2006/metadata/properties" xmlns:xsi="http://www.w3.org/2001/XMLSchema-instance" xmlns:pc="http://schemas.microsoft.com/office/infopath/2007/PartnerControls">
+  <documentManagement>
+    <MediaServiceKeyPoints xmlns="71af3243-3dd4-4a8d-8c0d-dd76da1f02a5" xsi:nil="true"/>
+  </documentManagement>
+</p:properties>
+</file>
+
+<file path=customXml/item3.xml><?xml version="1.0" encoding="utf-8"?>
 <ct:contentTypeSchema xmlns:ct="http://schemas.microsoft.com/office/2006/metadata/contentType" xmlns:ma="http://schemas.microsoft.com/office/2006/metadata/properties/metaAttributes" ct:_="" ma:_="" ma:contentTypeName="Document" ma:contentTypeID="0x01010079F111ED35F8CC479449609E8A0923A6" ma:contentTypeVersion="11" ma:contentTypeDescription="Create a new document." ma:contentTypeScope="" ma:versionID="96291512c1ee715ab617f4c07df79fc1">
   <xsd:schema xmlns:xsd="http://www.w3.org/2001/XMLSchema" xmlns:xs="http://www.w3.org/2001/XMLSchema" xmlns:p="http://schemas.microsoft.com/office/2006/metadata/properties" xmlns:ns2="71af3243-3dd4-4a8d-8c0d-dd76da1f02a5" xmlns:ns3="16c05727-aa75-4e4a-9b5f-8a80a1165891" targetNamespace="http://schemas.microsoft.com/office/2006/metadata/properties" ma:root="true" ma:fieldsID="8256c27c40ca5c40ce1cf6c44f0205df" ns2:_="" ns3:_="">
     <xsd:import namespace="71af3243-3dd4-4a8d-8c0d-dd76da1f02a5"/>
@@ -6118,24 +6481,25 @@
 </ct:contentTypeSchema>
 </file>
 
-<file path=customXml/item2.xml><?xml version="1.0" encoding="utf-8"?>
-<p:properties xmlns:p="http://schemas.microsoft.com/office/2006/metadata/properties" xmlns:xsi="http://www.w3.org/2001/XMLSchema-instance" xmlns:pc="http://schemas.microsoft.com/office/infopath/2007/PartnerControls">
-  <documentManagement>
-    <MediaServiceKeyPoints xmlns="71af3243-3dd4-4a8d-8c0d-dd76da1f02a5" xsi:nil="true"/>
-  </documentManagement>
-</p:properties>
+<file path=customXml/itemProps1.xml><?xml version="1.0" encoding="utf-8"?>
+<ds:datastoreItem xmlns:ds="http://schemas.openxmlformats.org/officeDocument/2006/customXml" ds:itemID="{3DC31EBE-A492-4CE5-9650-1E2C8FDDD7CE}">
+  <ds:schemaRefs>
+    <ds:schemaRef ds:uri="http://schemas.microsoft.com/sharepoint/v3/contenttype/forms"/>
+  </ds:schemaRefs>
+</ds:datastoreItem>
 </file>
 
-<file path=customXml/item3.xml><?xml version="1.0" encoding="utf-8"?>
-<?mso-contentType ?>
-<FormTemplates xmlns="http://schemas.microsoft.com/sharepoint/v3/contenttype/forms">
-  <Display>DocumentLibraryForm</Display>
-  <Edit>DocumentLibraryForm</Edit>
-  <New>DocumentLibraryForm</New>
-</FormTemplates>
+<file path=customXml/itemProps2.xml><?xml version="1.0" encoding="utf-8"?>
+<ds:datastoreItem xmlns:ds="http://schemas.openxmlformats.org/officeDocument/2006/customXml" ds:itemID="{DCB47EFB-BDBB-4CE5-A848-1507BE3B7989}">
+  <ds:schemaRefs>
+    <ds:schemaRef ds:uri="http://schemas.microsoft.com/office/2006/metadata/properties"/>
+    <ds:schemaRef ds:uri="http://schemas.microsoft.com/office/infopath/2007/PartnerControls"/>
+    <ds:schemaRef ds:uri="71af3243-3dd4-4a8d-8c0d-dd76da1f02a5"/>
+  </ds:schemaRefs>
+</ds:datastoreItem>
 </file>
 
-<file path=customXml/itemProps1.xml><?xml version="1.0" encoding="utf-8"?>
+<file path=customXml/itemProps3.xml><?xml version="1.0" encoding="utf-8"?>
 <ds:datastoreItem xmlns:ds="http://schemas.openxmlformats.org/officeDocument/2006/customXml" ds:itemID="{B1AD0D4C-03C4-489C-932A-66E2D74FA6D5}">
   <ds:schemaRefs>
     <ds:schemaRef ds:uri="http://schemas.microsoft.com/office/2006/metadata/contentType"/>
@@ -6152,22 +6516,4 @@
     <ds:schemaRef ds:uri="http://schemas.microsoft.com/internal/obd"/>
   </ds:schemaRefs>
 </ds:datastoreItem>
-</file>
-
-<file path=customXml/itemProps2.xml><?xml version="1.0" encoding="utf-8"?>
-<ds:datastoreItem xmlns:ds="http://schemas.openxmlformats.org/officeDocument/2006/customXml" ds:itemID="{DCB47EFB-BDBB-4CE5-A848-1507BE3B7989}">
-  <ds:schemaRefs>
-    <ds:schemaRef ds:uri="http://schemas.microsoft.com/office/2006/metadata/properties"/>
-    <ds:schemaRef ds:uri="http://schemas.microsoft.com/office/infopath/2007/PartnerControls"/>
-    <ds:schemaRef ds:uri="71af3243-3dd4-4a8d-8c0d-dd76da1f02a5"/>
-  </ds:schemaRefs>
-</ds:datastoreItem>
-</file>
-
-<file path=customXml/itemProps3.xml><?xml version="1.0" encoding="utf-8"?>
-<ds:datastoreItem xmlns:ds="http://schemas.openxmlformats.org/officeDocument/2006/customXml" ds:itemID="{3DC31EBE-A492-4CE5-9650-1E2C8FDDD7CE}">
-  <ds:schemaRefs>
-    <ds:schemaRef ds:uri="http://schemas.microsoft.com/sharepoint/v3/contenttype/forms"/>
-  </ds:schemaRefs>
-</ds:datastoreItem>
 </file>